--- a/Matrix_Reduction_Presentation_Sahil.pptx
+++ b/Matrix_Reduction_Presentation_Sahil.pptx
@@ -10,16 +10,15 @@
     <p:sldId id="258" r:id="rId4"/>
     <p:sldId id="259" r:id="rId5"/>
     <p:sldId id="260" r:id="rId6"/>
-    <p:sldId id="261" r:id="rId7"/>
-    <p:sldId id="269" r:id="rId8"/>
-    <p:sldId id="262" r:id="rId9"/>
-    <p:sldId id="263" r:id="rId10"/>
-    <p:sldId id="270" r:id="rId11"/>
-    <p:sldId id="264" r:id="rId12"/>
-    <p:sldId id="265" r:id="rId13"/>
-    <p:sldId id="266" r:id="rId14"/>
-    <p:sldId id="271" r:id="rId15"/>
-    <p:sldId id="267" r:id="rId16"/>
+    <p:sldId id="269" r:id="rId7"/>
+    <p:sldId id="262" r:id="rId8"/>
+    <p:sldId id="263" r:id="rId9"/>
+    <p:sldId id="270" r:id="rId10"/>
+    <p:sldId id="264" r:id="rId11"/>
+    <p:sldId id="265" r:id="rId12"/>
+    <p:sldId id="266" r:id="rId13"/>
+    <p:sldId id="271" r:id="rId14"/>
+    <p:sldId id="267" r:id="rId15"/>
   </p:sldIdLst>
   <p:sldSz cx="9144000" cy="6858000" type="screen4x3"/>
   <p:notesSz cx="6858000" cy="9144000"/>
@@ -140,7 +139,7 @@
 <file path=ppt/revisionInfo.xml><?xml version="1.0" encoding="utf-8"?>
 <p1510:revInfo xmlns:a="http://schemas.openxmlformats.org/drawingml/2006/main" xmlns:r="http://schemas.openxmlformats.org/officeDocument/2006/relationships" xmlns:p1510="http://schemas.microsoft.com/office/powerpoint/2015/10/main">
   <p1510:revLst>
-    <p1510:client id="{696C1DC1-030A-0518-DA12-3036A3922774}" v="115" dt="2024-12-30T06:03:39.625"/>
+    <p1510:client id="{696C1DC1-030A-0518-DA12-3036A3922774}" v="133" dt="2024-12-30T16:19:57.988"/>
   </p1510:revLst>
 </p1510:revInfo>
 </file>
@@ -324,7 +323,7 @@
           <a:p>
             <a:fld id="{5BCAD085-E8A6-8845-BD4E-CB4CCA059FC4}" type="datetimeFigureOut">
               <a:rPr lang="en-US" smtClean="0"/>
-              <a:t>12/29/2024</a:t>
+              <a:t>12/30/2024</a:t>
             </a:fld>
             <a:endParaRPr lang="en-US"/>
           </a:p>
@@ -493,7 +492,7 @@
           <a:p>
             <a:fld id="{5BCAD085-E8A6-8845-BD4E-CB4CCA059FC4}" type="datetimeFigureOut">
               <a:rPr lang="en-US" smtClean="0"/>
-              <a:t>12/29/2024</a:t>
+              <a:t>12/30/2024</a:t>
             </a:fld>
             <a:endParaRPr lang="en-US"/>
           </a:p>
@@ -672,7 +671,7 @@
           <a:p>
             <a:fld id="{5BCAD085-E8A6-8845-BD4E-CB4CCA059FC4}" type="datetimeFigureOut">
               <a:rPr lang="en-US" smtClean="0"/>
-              <a:t>12/29/2024</a:t>
+              <a:t>12/30/2024</a:t>
             </a:fld>
             <a:endParaRPr lang="en-US"/>
           </a:p>
@@ -841,7 +840,7 @@
           <a:p>
             <a:fld id="{5BCAD085-E8A6-8845-BD4E-CB4CCA059FC4}" type="datetimeFigureOut">
               <a:rPr lang="en-US" smtClean="0"/>
-              <a:t>12/29/2024</a:t>
+              <a:t>12/30/2024</a:t>
             </a:fld>
             <a:endParaRPr lang="en-US"/>
           </a:p>
@@ -1087,7 +1086,7 @@
           <a:p>
             <a:fld id="{5BCAD085-E8A6-8845-BD4E-CB4CCA059FC4}" type="datetimeFigureOut">
               <a:rPr lang="en-US" smtClean="0"/>
-              <a:t>12/29/2024</a:t>
+              <a:t>12/30/2024</a:t>
             </a:fld>
             <a:endParaRPr lang="en-US"/>
           </a:p>
@@ -1373,7 +1372,7 @@
           <a:p>
             <a:fld id="{5BCAD085-E8A6-8845-BD4E-CB4CCA059FC4}" type="datetimeFigureOut">
               <a:rPr lang="en-US" smtClean="0"/>
-              <a:t>12/29/2024</a:t>
+              <a:t>12/30/2024</a:t>
             </a:fld>
             <a:endParaRPr lang="en-US"/>
           </a:p>
@@ -1793,7 +1792,7 @@
           <a:p>
             <a:fld id="{5BCAD085-E8A6-8845-BD4E-CB4CCA059FC4}" type="datetimeFigureOut">
               <a:rPr lang="en-US" smtClean="0"/>
-              <a:t>12/29/2024</a:t>
+              <a:t>12/30/2024</a:t>
             </a:fld>
             <a:endParaRPr lang="en-US"/>
           </a:p>
@@ -1911,7 +1910,7 @@
           <a:p>
             <a:fld id="{5BCAD085-E8A6-8845-BD4E-CB4CCA059FC4}" type="datetimeFigureOut">
               <a:rPr lang="en-US" smtClean="0"/>
-              <a:t>12/29/2024</a:t>
+              <a:t>12/30/2024</a:t>
             </a:fld>
             <a:endParaRPr lang="en-US"/>
           </a:p>
@@ -2007,7 +2006,7 @@
           <a:p>
             <a:fld id="{5BCAD085-E8A6-8845-BD4E-CB4CCA059FC4}" type="datetimeFigureOut">
               <a:rPr lang="en-US" smtClean="0"/>
-              <a:t>12/29/2024</a:t>
+              <a:t>12/30/2024</a:t>
             </a:fld>
             <a:endParaRPr lang="en-US"/>
           </a:p>
@@ -2283,7 +2282,7 @@
           <a:p>
             <a:fld id="{5BCAD085-E8A6-8845-BD4E-CB4CCA059FC4}" type="datetimeFigureOut">
               <a:rPr lang="en-US" smtClean="0"/>
-              <a:t>12/29/2024</a:t>
+              <a:t>12/30/2024</a:t>
             </a:fld>
             <a:endParaRPr lang="en-US"/>
           </a:p>
@@ -2536,7 +2535,7 @@
           <a:p>
             <a:fld id="{5BCAD085-E8A6-8845-BD4E-CB4CCA059FC4}" type="datetimeFigureOut">
               <a:rPr lang="en-US" smtClean="0"/>
-              <a:t>12/29/2024</a:t>
+              <a:t>12/30/2024</a:t>
             </a:fld>
             <a:endParaRPr lang="en-US"/>
           </a:p>
@@ -2748,7 +2747,7 @@
           <a:p>
             <a:fld id="{5BCAD085-E8A6-8845-BD4E-CB4CCA059FC4}" type="datetimeFigureOut">
               <a:rPr lang="en-US" smtClean="0"/>
-              <a:t>12/29/2024</a:t>
+              <a:t>12/30/2024</a:t>
             </a:fld>
             <a:endParaRPr lang="en-US"/>
           </a:p>
@@ -3140,8 +3139,13 @@
           <a:lstStyle/>
           <a:p>
             <a:r>
-              <a:t>Matrix Reduction in Persistent Homology: Theory, Examples, and Applications</a:t>
-            </a:r>
+              <a:rPr dirty="0"/>
+              <a:t>Matrix Reduction in Persistent Homology</a:t>
+            </a:r>
+            <a:endParaRPr lang="en-US" dirty="0">
+              <a:ea typeface="Calibri"/>
+              <a:cs typeface="Calibri"/>
+            </a:endParaRPr>
           </a:p>
         </p:txBody>
       </p:sp>
@@ -3209,6 +3213,1551 @@
 </file>
 
 <file path=ppt/slides/slide10.xml><?xml version="1.0" encoding="utf-8"?>
+<p:sld xmlns:a="http://schemas.openxmlformats.org/drawingml/2006/main" xmlns:r="http://schemas.openxmlformats.org/officeDocument/2006/relationships" xmlns:p="http://schemas.openxmlformats.org/presentationml/2006/main">
+  <p:cSld>
+    <p:spTree>
+      <p:nvGrpSpPr>
+        <p:cNvPr id="1" name=""/>
+        <p:cNvGrpSpPr/>
+        <p:nvPr/>
+      </p:nvGrpSpPr>
+      <p:grpSpPr>
+        <a:xfrm>
+          <a:off x="0" y="0"/>
+          <a:ext cx="0" cy="0"/>
+          <a:chOff x="0" y="0"/>
+          <a:chExt cx="0" cy="0"/>
+        </a:xfrm>
+      </p:grpSpPr>
+      <p:sp>
+        <p:nvSpPr>
+          <p:cNvPr id="2" name="Title 1"/>
+          <p:cNvSpPr>
+            <a:spLocks noGrp="1"/>
+          </p:cNvSpPr>
+          <p:nvPr>
+            <p:ph type="title"/>
+          </p:nvPr>
+        </p:nvSpPr>
+        <p:spPr/>
+        <p:txBody>
+          <a:bodyPr/>
+          <a:lstStyle/>
+          <a:p>
+            <a:r>
+              <a:t>Python Implementation</a:t>
+            </a:r>
+          </a:p>
+        </p:txBody>
+      </p:sp>
+      <p:sp>
+        <p:nvSpPr>
+          <p:cNvPr id="3" name="Content Placeholder 2"/>
+          <p:cNvSpPr>
+            <a:spLocks noGrp="1"/>
+          </p:cNvSpPr>
+          <p:nvPr>
+            <p:ph idx="1"/>
+          </p:nvPr>
+        </p:nvSpPr>
+        <p:spPr/>
+        <p:txBody>
+          <a:bodyPr/>
+          <a:lstStyle/>
+          <a:p>
+            <a:r>
+              <a:t>The matrix reduction algorithm is implemented in Python. Boundary matrices are reduced, and Betti numbers are computed. The complete implementation is available on GitHub:</a:t>
+            </a:r>
+          </a:p>
+          <a:p>
+            <a:r>
+              <a:t>https://github.com/sahilkumar15/computational_topology</a:t>
+            </a:r>
+          </a:p>
+        </p:txBody>
+      </p:sp>
+      <p:sp>
+        <p:nvSpPr>
+          <p:cNvPr id="4" name="Slide Number Placeholder 3">
+            <a:extLst>
+              <a:ext uri="{FF2B5EF4-FFF2-40B4-BE49-F238E27FC236}">
+                <a16:creationId xmlns:a16="http://schemas.microsoft.com/office/drawing/2014/main" id="{6436CC1E-494C-6941-DB4E-8EEDEFD3FFC3}"/>
+              </a:ext>
+            </a:extLst>
+          </p:cNvPr>
+          <p:cNvSpPr>
+            <a:spLocks noGrp="1"/>
+          </p:cNvSpPr>
+          <p:nvPr>
+            <p:ph type="sldNum" sz="quarter" idx="12"/>
+          </p:nvPr>
+        </p:nvSpPr>
+        <p:spPr/>
+        <p:txBody>
+          <a:bodyPr/>
+          <a:lstStyle/>
+          <a:p>
+            <a:fld id="{C1FF6DA9-008F-8B48-92A6-B652298478BF}" type="slidenum">
+              <a:rPr lang="en-US" smtClean="0"/>
+              <a:t>10</a:t>
+            </a:fld>
+            <a:endParaRPr lang="en-US"/>
+          </a:p>
+        </p:txBody>
+      </p:sp>
+    </p:spTree>
+  </p:cSld>
+  <p:clrMapOvr>
+    <a:masterClrMapping/>
+  </p:clrMapOvr>
+</p:sld>
+</file>
+
+<file path=ppt/slides/slide11.xml><?xml version="1.0" encoding="utf-8"?>
+<p:sld xmlns:a="http://schemas.openxmlformats.org/drawingml/2006/main" xmlns:r="http://schemas.openxmlformats.org/officeDocument/2006/relationships" xmlns:p="http://schemas.openxmlformats.org/presentationml/2006/main">
+  <p:cSld>
+    <p:spTree>
+      <p:nvGrpSpPr>
+        <p:cNvPr id="1" name=""/>
+        <p:cNvGrpSpPr/>
+        <p:nvPr/>
+      </p:nvGrpSpPr>
+      <p:grpSpPr>
+        <a:xfrm>
+          <a:off x="0" y="0"/>
+          <a:ext cx="0" cy="0"/>
+          <a:chOff x="0" y="0"/>
+          <a:chExt cx="0" cy="0"/>
+        </a:xfrm>
+      </p:grpSpPr>
+      <p:sp>
+        <p:nvSpPr>
+          <p:cNvPr id="2" name="Title 1"/>
+          <p:cNvSpPr>
+            <a:spLocks noGrp="1"/>
+          </p:cNvSpPr>
+          <p:nvPr>
+            <p:ph type="title"/>
+          </p:nvPr>
+        </p:nvSpPr>
+        <p:spPr/>
+        <p:txBody>
+          <a:bodyPr/>
+          <a:lstStyle/>
+          <a:p>
+            <a:r>
+              <a:t>Applications of Matrix Reduction</a:t>
+            </a:r>
+          </a:p>
+        </p:txBody>
+      </p:sp>
+      <p:sp>
+        <p:nvSpPr>
+          <p:cNvPr id="3" name="Content Placeholder 2"/>
+          <p:cNvSpPr>
+            <a:spLocks noGrp="1"/>
+          </p:cNvSpPr>
+          <p:nvPr>
+            <p:ph idx="1"/>
+          </p:nvPr>
+        </p:nvSpPr>
+        <p:spPr/>
+        <p:txBody>
+          <a:bodyPr vert="horz" lIns="91440" tIns="45720" rIns="91440" bIns="45720" rtlCol="0" anchor="t">
+            <a:normAutofit/>
+          </a:bodyPr>
+          <a:lstStyle/>
+          <a:p>
+            <a:r>
+              <a:rPr dirty="0"/>
+              <a:t>Matrix reduction is applied in:</a:t>
+            </a:r>
+          </a:p>
+          <a:p>
+            <a:pPr marL="0" indent="0">
+              <a:buNone/>
+            </a:pPr>
+            <a:r>
+              <a:rPr dirty="0"/>
+              <a:t>- Point cloud analysis for clustering and void </a:t>
+            </a:r>
+            <a:r>
+              <a:rPr lang="en-US" dirty="0"/>
+              <a:t> </a:t>
+            </a:r>
+            <a:r>
+              <a:rPr dirty="0"/>
+              <a:t>detection.</a:t>
+            </a:r>
+            <a:endParaRPr dirty="0">
+              <a:ea typeface="Calibri"/>
+              <a:cs typeface="Calibri"/>
+            </a:endParaRPr>
+          </a:p>
+          <a:p>
+            <a:pPr marL="0" indent="0">
+              <a:buNone/>
+            </a:pPr>
+            <a:r>
+              <a:rPr dirty="0"/>
+              <a:t>- Time-series analysis for trend identification.</a:t>
+            </a:r>
+            <a:endParaRPr dirty="0">
+              <a:ea typeface="Calibri"/>
+              <a:cs typeface="Calibri"/>
+            </a:endParaRPr>
+          </a:p>
+          <a:p>
+            <a:pPr marL="0" indent="0">
+              <a:buNone/>
+            </a:pPr>
+            <a:r>
+              <a:rPr dirty="0"/>
+              <a:t>- Image processing for structural feature extraction.</a:t>
+            </a:r>
+            <a:endParaRPr dirty="0">
+              <a:ea typeface="Calibri"/>
+              <a:cs typeface="Calibri"/>
+            </a:endParaRPr>
+          </a:p>
+        </p:txBody>
+      </p:sp>
+      <p:sp>
+        <p:nvSpPr>
+          <p:cNvPr id="4" name="Slide Number Placeholder 3">
+            <a:extLst>
+              <a:ext uri="{FF2B5EF4-FFF2-40B4-BE49-F238E27FC236}">
+                <a16:creationId xmlns:a16="http://schemas.microsoft.com/office/drawing/2014/main" id="{09E222D6-C822-D7A3-4997-801B1BF7832B}"/>
+              </a:ext>
+            </a:extLst>
+          </p:cNvPr>
+          <p:cNvSpPr>
+            <a:spLocks noGrp="1"/>
+          </p:cNvSpPr>
+          <p:nvPr>
+            <p:ph type="sldNum" sz="quarter" idx="12"/>
+          </p:nvPr>
+        </p:nvSpPr>
+        <p:spPr/>
+        <p:txBody>
+          <a:bodyPr/>
+          <a:lstStyle/>
+          <a:p>
+            <a:fld id="{C1FF6DA9-008F-8B48-92A6-B652298478BF}" type="slidenum">
+              <a:rPr lang="en-US" smtClean="0"/>
+              <a:t>11</a:t>
+            </a:fld>
+            <a:endParaRPr lang="en-US"/>
+          </a:p>
+        </p:txBody>
+      </p:sp>
+    </p:spTree>
+  </p:cSld>
+  <p:clrMapOvr>
+    <a:masterClrMapping/>
+  </p:clrMapOvr>
+</p:sld>
+</file>
+
+<file path=ppt/slides/slide12.xml><?xml version="1.0" encoding="utf-8"?>
+<p:sld xmlns:a="http://schemas.openxmlformats.org/drawingml/2006/main" xmlns:r="http://schemas.openxmlformats.org/officeDocument/2006/relationships" xmlns:p="http://schemas.openxmlformats.org/presentationml/2006/main">
+  <p:cSld>
+    <p:spTree>
+      <p:nvGrpSpPr>
+        <p:cNvPr id="1" name=""/>
+        <p:cNvGrpSpPr/>
+        <p:nvPr/>
+      </p:nvGrpSpPr>
+      <p:grpSpPr>
+        <a:xfrm>
+          <a:off x="0" y="0"/>
+          <a:ext cx="0" cy="0"/>
+          <a:chOff x="0" y="0"/>
+          <a:chExt cx="0" cy="0"/>
+        </a:xfrm>
+      </p:grpSpPr>
+      <p:sp>
+        <p:nvSpPr>
+          <p:cNvPr id="2" name="Title 1"/>
+          <p:cNvSpPr>
+            <a:spLocks noGrp="1"/>
+          </p:cNvSpPr>
+          <p:nvPr>
+            <p:ph type="title"/>
+          </p:nvPr>
+        </p:nvSpPr>
+        <p:spPr/>
+        <p:txBody>
+          <a:bodyPr/>
+          <a:lstStyle/>
+          <a:p>
+            <a:r>
+              <a:t>Conclusion</a:t>
+            </a:r>
+          </a:p>
+        </p:txBody>
+      </p:sp>
+      <p:sp>
+        <p:nvSpPr>
+          <p:cNvPr id="3" name="Content Placeholder 2"/>
+          <p:cNvSpPr>
+            <a:spLocks noGrp="1"/>
+          </p:cNvSpPr>
+          <p:nvPr>
+            <p:ph idx="1"/>
+          </p:nvPr>
+        </p:nvSpPr>
+        <p:spPr/>
+        <p:txBody>
+          <a:bodyPr vert="horz" lIns="91440" tIns="45720" rIns="91440" bIns="45720" rtlCol="0" anchor="t">
+            <a:normAutofit/>
+          </a:bodyPr>
+          <a:lstStyle/>
+          <a:p>
+            <a:r>
+              <a:rPr dirty="0"/>
+              <a:t>Matrix reduction bridges algebraic theory and practical applications in TDA. </a:t>
+            </a:r>
+            <a:endParaRPr lang="en-US" dirty="0"/>
+          </a:p>
+          <a:p>
+            <a:r>
+              <a:rPr dirty="0"/>
+              <a:t>It enables efficient computation of topological invariants, offering insights across diverse domains.</a:t>
+            </a:r>
+          </a:p>
+        </p:txBody>
+      </p:sp>
+      <p:sp>
+        <p:nvSpPr>
+          <p:cNvPr id="4" name="Slide Number Placeholder 3">
+            <a:extLst>
+              <a:ext uri="{FF2B5EF4-FFF2-40B4-BE49-F238E27FC236}">
+                <a16:creationId xmlns:a16="http://schemas.microsoft.com/office/drawing/2014/main" id="{B7A68E80-0EBF-3F16-EC83-11AD02E72363}"/>
+              </a:ext>
+            </a:extLst>
+          </p:cNvPr>
+          <p:cNvSpPr>
+            <a:spLocks noGrp="1"/>
+          </p:cNvSpPr>
+          <p:nvPr>
+            <p:ph type="sldNum" sz="quarter" idx="12"/>
+          </p:nvPr>
+        </p:nvSpPr>
+        <p:spPr/>
+        <p:txBody>
+          <a:bodyPr/>
+          <a:lstStyle/>
+          <a:p>
+            <a:fld id="{C1FF6DA9-008F-8B48-92A6-B652298478BF}" type="slidenum">
+              <a:rPr lang="en-US" smtClean="0"/>
+              <a:t>12</a:t>
+            </a:fld>
+            <a:endParaRPr lang="en-US"/>
+          </a:p>
+        </p:txBody>
+      </p:sp>
+    </p:spTree>
+  </p:cSld>
+  <p:clrMapOvr>
+    <a:masterClrMapping/>
+  </p:clrMapOvr>
+</p:sld>
+</file>
+
+<file path=ppt/slides/slide13.xml><?xml version="1.0" encoding="utf-8"?>
+<p:sld xmlns:a="http://schemas.openxmlformats.org/drawingml/2006/main" xmlns:r="http://schemas.openxmlformats.org/officeDocument/2006/relationships" xmlns:p="http://schemas.openxmlformats.org/presentationml/2006/main">
+  <p:cSld>
+    <p:spTree>
+      <p:nvGrpSpPr>
+        <p:cNvPr id="1" name=""/>
+        <p:cNvGrpSpPr/>
+        <p:nvPr/>
+      </p:nvGrpSpPr>
+      <p:grpSpPr>
+        <a:xfrm>
+          <a:off x="0" y="0"/>
+          <a:ext cx="0" cy="0"/>
+          <a:chOff x="0" y="0"/>
+          <a:chExt cx="0" cy="0"/>
+        </a:xfrm>
+      </p:grpSpPr>
+      <p:sp>
+        <p:nvSpPr>
+          <p:cNvPr id="2" name="Title 1">
+            <a:extLst>
+              <a:ext uri="{FF2B5EF4-FFF2-40B4-BE49-F238E27FC236}">
+                <a16:creationId xmlns:a16="http://schemas.microsoft.com/office/drawing/2014/main" id="{B011F4C9-A792-2D27-2B21-FF47C7D6BD32}"/>
+              </a:ext>
+            </a:extLst>
+          </p:cNvPr>
+          <p:cNvSpPr>
+            <a:spLocks noGrp="1"/>
+          </p:cNvSpPr>
+          <p:nvPr>
+            <p:ph type="title"/>
+          </p:nvPr>
+        </p:nvSpPr>
+        <p:spPr/>
+        <p:txBody>
+          <a:bodyPr/>
+          <a:lstStyle/>
+          <a:p>
+            <a:r>
+              <a:rPr lang="en-US" dirty="0">
+                <a:ea typeface="Calibri"/>
+                <a:cs typeface="Calibri"/>
+              </a:rPr>
+              <a:t>References</a:t>
+            </a:r>
+            <a:endParaRPr lang="en-US" dirty="0"/>
+          </a:p>
+        </p:txBody>
+      </p:sp>
+      <p:sp>
+        <p:nvSpPr>
+          <p:cNvPr id="3" name="Content Placeholder 2">
+            <a:extLst>
+              <a:ext uri="{FF2B5EF4-FFF2-40B4-BE49-F238E27FC236}">
+                <a16:creationId xmlns:a16="http://schemas.microsoft.com/office/drawing/2014/main" id="{44446835-705D-6706-8EC3-721953A019F3}"/>
+              </a:ext>
+            </a:extLst>
+          </p:cNvPr>
+          <p:cNvSpPr>
+            <a:spLocks noGrp="1"/>
+          </p:cNvSpPr>
+          <p:nvPr>
+            <p:ph idx="1"/>
+          </p:nvPr>
+        </p:nvSpPr>
+        <p:spPr/>
+        <p:txBody>
+          <a:bodyPr vert="horz" lIns="91440" tIns="45720" rIns="91440" bIns="45720" rtlCol="0" anchor="t">
+            <a:normAutofit fontScale="92500" lnSpcReduction="10000"/>
+          </a:bodyPr>
+          <a:lstStyle/>
+          <a:p>
+            <a:r>
+              <a:rPr lang="en-US" dirty="0">
+                <a:ea typeface="+mn-lt"/>
+                <a:cs typeface="+mn-lt"/>
+              </a:rPr>
+              <a:t>Kannan, R. &amp; </a:t>
+            </a:r>
+            <a:r>
+              <a:rPr lang="en-US" dirty="0" err="1">
+                <a:ea typeface="+mn-lt"/>
+                <a:cs typeface="+mn-lt"/>
+              </a:rPr>
+              <a:t>Bachem</a:t>
+            </a:r>
+            <a:r>
+              <a:rPr lang="en-US" dirty="0">
+                <a:ea typeface="+mn-lt"/>
+                <a:cs typeface="+mn-lt"/>
+              </a:rPr>
+              <a:t>, A. (1979). Polynomial algorithms for computing the Smith and Hermite normal forms of an integer matrix. SIAM J. </a:t>
+            </a:r>
+            <a:r>
+              <a:rPr lang="en-US" dirty="0" err="1">
+                <a:ea typeface="+mn-lt"/>
+                <a:cs typeface="+mn-lt"/>
+              </a:rPr>
+              <a:t>Comput</a:t>
+            </a:r>
+            <a:r>
+              <a:rPr lang="en-US" dirty="0">
+                <a:ea typeface="+mn-lt"/>
+                <a:cs typeface="+mn-lt"/>
+              </a:rPr>
+              <a:t>., 8, 499–507.</a:t>
+            </a:r>
+            <a:endParaRPr lang="en-US" dirty="0">
+              <a:ea typeface="Calibri"/>
+              <a:cs typeface="Calibri"/>
+            </a:endParaRPr>
+          </a:p>
+          <a:p>
+            <a:r>
+              <a:rPr lang="en-US" dirty="0">
+                <a:ea typeface="+mn-lt"/>
+                <a:cs typeface="+mn-lt"/>
+              </a:rPr>
+              <a:t>Lakatos, I. (1984). Proofs and Refutations: The Logic of Mathematical Discovery. Cambridge Univ. Press, Cambridge, England.</a:t>
+            </a:r>
+            <a:endParaRPr lang="en-US" dirty="0">
+              <a:ea typeface="Calibri"/>
+              <a:cs typeface="Calibri"/>
+            </a:endParaRPr>
+          </a:p>
+          <a:p>
+            <a:r>
+              <a:rPr lang="en-US" dirty="0">
+                <a:ea typeface="+mn-lt"/>
+                <a:cs typeface="+mn-lt"/>
+              </a:rPr>
+              <a:t>Munkres, J. R. (1984). Elements of Algebraic Topology. Addison-Wesley, Redwood City, California.</a:t>
+            </a:r>
+            <a:endParaRPr lang="en-US" dirty="0">
+              <a:ea typeface="Calibri"/>
+              <a:cs typeface="Calibri"/>
+            </a:endParaRPr>
+          </a:p>
+        </p:txBody>
+      </p:sp>
+      <p:sp>
+        <p:nvSpPr>
+          <p:cNvPr id="4" name="Slide Number Placeholder 3">
+            <a:extLst>
+              <a:ext uri="{FF2B5EF4-FFF2-40B4-BE49-F238E27FC236}">
+                <a16:creationId xmlns:a16="http://schemas.microsoft.com/office/drawing/2014/main" id="{937D3532-0244-D366-B153-9475A38277C1}"/>
+              </a:ext>
+            </a:extLst>
+          </p:cNvPr>
+          <p:cNvSpPr>
+            <a:spLocks noGrp="1"/>
+          </p:cNvSpPr>
+          <p:nvPr>
+            <p:ph type="sldNum" sz="quarter" idx="12"/>
+          </p:nvPr>
+        </p:nvSpPr>
+        <p:spPr/>
+        <p:txBody>
+          <a:bodyPr/>
+          <a:lstStyle/>
+          <a:p>
+            <a:fld id="{C1FF6DA9-008F-8B48-92A6-B652298478BF}" type="slidenum">
+              <a:rPr lang="en-US" smtClean="0"/>
+              <a:t>13</a:t>
+            </a:fld>
+            <a:endParaRPr lang="en-US"/>
+          </a:p>
+        </p:txBody>
+      </p:sp>
+    </p:spTree>
+    <p:extLst>
+      <p:ext uri="{BB962C8B-B14F-4D97-AF65-F5344CB8AC3E}">
+        <p14:creationId xmlns:p14="http://schemas.microsoft.com/office/powerpoint/2010/main" val="2149902748"/>
+      </p:ext>
+    </p:extLst>
+  </p:cSld>
+  <p:clrMapOvr>
+    <a:masterClrMapping/>
+  </p:clrMapOvr>
+</p:sld>
+</file>
+
+<file path=ppt/slides/slide14.xml><?xml version="1.0" encoding="utf-8"?>
+<p:sld xmlns:a="http://schemas.openxmlformats.org/drawingml/2006/main" xmlns:r="http://schemas.openxmlformats.org/officeDocument/2006/relationships" xmlns:p="http://schemas.openxmlformats.org/presentationml/2006/main">
+  <p:cSld>
+    <p:spTree>
+      <p:nvGrpSpPr>
+        <p:cNvPr id="1" name=""/>
+        <p:cNvGrpSpPr/>
+        <p:nvPr/>
+      </p:nvGrpSpPr>
+      <p:grpSpPr>
+        <a:xfrm>
+          <a:off x="0" y="0"/>
+          <a:ext cx="0" cy="0"/>
+          <a:chOff x="0" y="0"/>
+          <a:chExt cx="0" cy="0"/>
+        </a:xfrm>
+      </p:grpSpPr>
+      <p:sp>
+        <p:nvSpPr>
+          <p:cNvPr id="3" name="Content Placeholder 2"/>
+          <p:cNvSpPr>
+            <a:spLocks noGrp="1"/>
+          </p:cNvSpPr>
+          <p:nvPr>
+            <p:ph idx="1"/>
+          </p:nvPr>
+        </p:nvSpPr>
+        <p:spPr>
+          <a:xfrm>
+            <a:off x="3327514" y="2799581"/>
+            <a:ext cx="3063035" cy="968824"/>
+          </a:xfrm>
+        </p:spPr>
+        <p:txBody>
+          <a:bodyPr vert="horz" lIns="91440" tIns="45720" rIns="91440" bIns="45720" rtlCol="0" anchor="t">
+            <a:normAutofit/>
+          </a:bodyPr>
+          <a:lstStyle/>
+          <a:p>
+            <a:pPr marL="0" indent="0">
+              <a:buNone/>
+            </a:pPr>
+            <a:r>
+              <a:rPr dirty="0"/>
+              <a:t>Thank you! </a:t>
+            </a:r>
+            <a:endParaRPr lang="en-US" dirty="0"/>
+          </a:p>
+        </p:txBody>
+      </p:sp>
+      <p:sp>
+        <p:nvSpPr>
+          <p:cNvPr id="2" name="Slide Number Placeholder 1">
+            <a:extLst>
+              <a:ext uri="{FF2B5EF4-FFF2-40B4-BE49-F238E27FC236}">
+                <a16:creationId xmlns:a16="http://schemas.microsoft.com/office/drawing/2014/main" id="{3BE49539-643F-CD81-642E-E394B303C99C}"/>
+              </a:ext>
+            </a:extLst>
+          </p:cNvPr>
+          <p:cNvSpPr>
+            <a:spLocks noGrp="1"/>
+          </p:cNvSpPr>
+          <p:nvPr>
+            <p:ph type="sldNum" sz="quarter" idx="12"/>
+          </p:nvPr>
+        </p:nvSpPr>
+        <p:spPr/>
+        <p:txBody>
+          <a:bodyPr/>
+          <a:lstStyle/>
+          <a:p>
+            <a:fld id="{C1FF6DA9-008F-8B48-92A6-B652298478BF}" type="slidenum">
+              <a:rPr lang="en-US" smtClean="0"/>
+              <a:t>14</a:t>
+            </a:fld>
+            <a:endParaRPr lang="en-US"/>
+          </a:p>
+        </p:txBody>
+      </p:sp>
+    </p:spTree>
+  </p:cSld>
+  <p:clrMapOvr>
+    <a:masterClrMapping/>
+  </p:clrMapOvr>
+</p:sld>
+</file>
+
+<file path=ppt/slides/slide2.xml><?xml version="1.0" encoding="utf-8"?>
+<p:sld xmlns:a="http://schemas.openxmlformats.org/drawingml/2006/main" xmlns:r="http://schemas.openxmlformats.org/officeDocument/2006/relationships" xmlns:p="http://schemas.openxmlformats.org/presentationml/2006/main">
+  <p:cSld>
+    <p:spTree>
+      <p:nvGrpSpPr>
+        <p:cNvPr id="1" name=""/>
+        <p:cNvGrpSpPr/>
+        <p:nvPr/>
+      </p:nvGrpSpPr>
+      <p:grpSpPr>
+        <a:xfrm>
+          <a:off x="0" y="0"/>
+          <a:ext cx="0" cy="0"/>
+          <a:chOff x="0" y="0"/>
+          <a:chExt cx="0" cy="0"/>
+        </a:xfrm>
+      </p:grpSpPr>
+      <p:sp>
+        <p:nvSpPr>
+          <p:cNvPr id="2" name="Title 1"/>
+          <p:cNvSpPr>
+            <a:spLocks noGrp="1"/>
+          </p:cNvSpPr>
+          <p:nvPr>
+            <p:ph type="title"/>
+          </p:nvPr>
+        </p:nvSpPr>
+        <p:spPr/>
+        <p:txBody>
+          <a:bodyPr/>
+          <a:lstStyle/>
+          <a:p>
+            <a:r>
+              <a:t>Abstract</a:t>
+            </a:r>
+          </a:p>
+        </p:txBody>
+      </p:sp>
+      <p:sp>
+        <p:nvSpPr>
+          <p:cNvPr id="3" name="Content Placeholder 2"/>
+          <p:cNvSpPr>
+            <a:spLocks noGrp="1"/>
+          </p:cNvSpPr>
+          <p:nvPr>
+            <p:ph idx="1"/>
+          </p:nvPr>
+        </p:nvSpPr>
+        <p:spPr/>
+        <p:txBody>
+          <a:bodyPr vert="horz" lIns="91440" tIns="45720" rIns="91440" bIns="45720" rtlCol="0" anchor="t">
+            <a:normAutofit lnSpcReduction="10000"/>
+          </a:bodyPr>
+          <a:lstStyle/>
+          <a:p>
+            <a:r>
+              <a:rPr dirty="0"/>
+              <a:t>Matrix reduction is a fundamental computational process in persistent homology, a key method in topological data analysis (TDA) for studying the shape of data. </a:t>
+            </a:r>
+            <a:endParaRPr lang="en-US" dirty="0"/>
+          </a:p>
+          <a:p>
+            <a:r>
+              <a:rPr dirty="0"/>
+              <a:t>It simplifies boundary matrices to reveal topological features such as connected components, loops, and voids. </a:t>
+            </a:r>
+            <a:endParaRPr lang="en-US" dirty="0"/>
+          </a:p>
+          <a:p>
+            <a:r>
+              <a:rPr dirty="0"/>
+              <a:t>Applications span biology, image processing, and network science.</a:t>
+            </a:r>
+            <a:endParaRPr lang="en-US">
+              <a:ea typeface="Calibri"/>
+              <a:cs typeface="Calibri"/>
+            </a:endParaRPr>
+          </a:p>
+        </p:txBody>
+      </p:sp>
+      <p:sp>
+        <p:nvSpPr>
+          <p:cNvPr id="4" name="Slide Number Placeholder 3">
+            <a:extLst>
+              <a:ext uri="{FF2B5EF4-FFF2-40B4-BE49-F238E27FC236}">
+                <a16:creationId xmlns:a16="http://schemas.microsoft.com/office/drawing/2014/main" id="{18B6CFD5-251D-9078-3C83-D25797FCFA28}"/>
+              </a:ext>
+            </a:extLst>
+          </p:cNvPr>
+          <p:cNvSpPr>
+            <a:spLocks noGrp="1"/>
+          </p:cNvSpPr>
+          <p:nvPr>
+            <p:ph type="sldNum" sz="quarter" idx="12"/>
+          </p:nvPr>
+        </p:nvSpPr>
+        <p:spPr/>
+        <p:txBody>
+          <a:bodyPr/>
+          <a:lstStyle/>
+          <a:p>
+            <a:fld id="{C1FF6DA9-008F-8B48-92A6-B652298478BF}" type="slidenum">
+              <a:rPr lang="en-US" smtClean="0"/>
+              <a:t>2</a:t>
+            </a:fld>
+            <a:endParaRPr lang="en-US"/>
+          </a:p>
+        </p:txBody>
+      </p:sp>
+    </p:spTree>
+  </p:cSld>
+  <p:clrMapOvr>
+    <a:masterClrMapping/>
+  </p:clrMapOvr>
+</p:sld>
+</file>
+
+<file path=ppt/slides/slide3.xml><?xml version="1.0" encoding="utf-8"?>
+<p:sld xmlns:a="http://schemas.openxmlformats.org/drawingml/2006/main" xmlns:r="http://schemas.openxmlformats.org/officeDocument/2006/relationships" xmlns:p="http://schemas.openxmlformats.org/presentationml/2006/main">
+  <p:cSld>
+    <p:spTree>
+      <p:nvGrpSpPr>
+        <p:cNvPr id="1" name=""/>
+        <p:cNvGrpSpPr/>
+        <p:nvPr/>
+      </p:nvGrpSpPr>
+      <p:grpSpPr>
+        <a:xfrm>
+          <a:off x="0" y="0"/>
+          <a:ext cx="0" cy="0"/>
+          <a:chOff x="0" y="0"/>
+          <a:chExt cx="0" cy="0"/>
+        </a:xfrm>
+      </p:grpSpPr>
+      <p:sp>
+        <p:nvSpPr>
+          <p:cNvPr id="2" name="Title 1"/>
+          <p:cNvSpPr>
+            <a:spLocks noGrp="1"/>
+          </p:cNvSpPr>
+          <p:nvPr>
+            <p:ph type="title"/>
+          </p:nvPr>
+        </p:nvSpPr>
+        <p:spPr/>
+        <p:txBody>
+          <a:bodyPr/>
+          <a:lstStyle/>
+          <a:p>
+            <a:r>
+              <a:t>Introduction to Persistent Homology</a:t>
+            </a:r>
+          </a:p>
+        </p:txBody>
+      </p:sp>
+      <p:sp>
+        <p:nvSpPr>
+          <p:cNvPr id="3" name="Content Placeholder 2"/>
+          <p:cNvSpPr>
+            <a:spLocks noGrp="1"/>
+          </p:cNvSpPr>
+          <p:nvPr>
+            <p:ph idx="1"/>
+          </p:nvPr>
+        </p:nvSpPr>
+        <p:spPr/>
+        <p:txBody>
+          <a:bodyPr vert="horz" lIns="91440" tIns="45720" rIns="91440" bIns="45720" rtlCol="0" anchor="t">
+            <a:normAutofit/>
+          </a:bodyPr>
+          <a:lstStyle/>
+          <a:p>
+            <a:r>
+              <a:rPr lang="en-US" dirty="0"/>
+              <a:t>Topological Data Analysis (TDA) applies algebraic topology to study data structures.</a:t>
+            </a:r>
+          </a:p>
+          <a:p>
+            <a:r>
+              <a:rPr lang="en-US" dirty="0"/>
+              <a:t> Persistent Homology identifies features like loops and voids across scales, relying on matrix reduction to simplify computations. </a:t>
+            </a:r>
+            <a:endParaRPr lang="en-US"/>
+          </a:p>
+          <a:p>
+            <a:r>
+              <a:rPr lang="en-US" dirty="0"/>
+              <a:t>Goal: Efficient extraction of topological invariants.</a:t>
+            </a:r>
+            <a:endParaRPr lang="en-US" dirty="0">
+              <a:ea typeface="Calibri"/>
+              <a:cs typeface="Calibri"/>
+            </a:endParaRPr>
+          </a:p>
+          <a:p>
+            <a:endParaRPr dirty="0">
+              <a:ea typeface="Calibri"/>
+              <a:cs typeface="Calibri"/>
+            </a:endParaRPr>
+          </a:p>
+        </p:txBody>
+      </p:sp>
+      <p:sp>
+        <p:nvSpPr>
+          <p:cNvPr id="4" name="Slide Number Placeholder 3">
+            <a:extLst>
+              <a:ext uri="{FF2B5EF4-FFF2-40B4-BE49-F238E27FC236}">
+                <a16:creationId xmlns:a16="http://schemas.microsoft.com/office/drawing/2014/main" id="{FD121C78-D6CA-7A0A-B12D-284927174248}"/>
+              </a:ext>
+            </a:extLst>
+          </p:cNvPr>
+          <p:cNvSpPr>
+            <a:spLocks noGrp="1"/>
+          </p:cNvSpPr>
+          <p:nvPr>
+            <p:ph type="sldNum" sz="quarter" idx="12"/>
+          </p:nvPr>
+        </p:nvSpPr>
+        <p:spPr/>
+        <p:txBody>
+          <a:bodyPr/>
+          <a:lstStyle/>
+          <a:p>
+            <a:fld id="{C1FF6DA9-008F-8B48-92A6-B652298478BF}" type="slidenum">
+              <a:rPr lang="en-US" smtClean="0"/>
+              <a:t>3</a:t>
+            </a:fld>
+            <a:endParaRPr lang="en-US"/>
+          </a:p>
+        </p:txBody>
+      </p:sp>
+    </p:spTree>
+  </p:cSld>
+  <p:clrMapOvr>
+    <a:masterClrMapping/>
+  </p:clrMapOvr>
+</p:sld>
+</file>
+
+<file path=ppt/slides/slide4.xml><?xml version="1.0" encoding="utf-8"?>
+<p:sld xmlns:a="http://schemas.openxmlformats.org/drawingml/2006/main" xmlns:r="http://schemas.openxmlformats.org/officeDocument/2006/relationships" xmlns:p="http://schemas.openxmlformats.org/presentationml/2006/main">
+  <p:cSld>
+    <p:spTree>
+      <p:nvGrpSpPr>
+        <p:cNvPr id="1" name=""/>
+        <p:cNvGrpSpPr/>
+        <p:nvPr/>
+      </p:nvGrpSpPr>
+      <p:grpSpPr>
+        <a:xfrm>
+          <a:off x="0" y="0"/>
+          <a:ext cx="0" cy="0"/>
+          <a:chOff x="0" y="0"/>
+          <a:chExt cx="0" cy="0"/>
+        </a:xfrm>
+      </p:grpSpPr>
+      <p:sp>
+        <p:nvSpPr>
+          <p:cNvPr id="2" name="Title 1"/>
+          <p:cNvSpPr>
+            <a:spLocks noGrp="1"/>
+          </p:cNvSpPr>
+          <p:nvPr>
+            <p:ph type="title"/>
+          </p:nvPr>
+        </p:nvSpPr>
+        <p:spPr/>
+        <p:txBody>
+          <a:bodyPr/>
+          <a:lstStyle/>
+          <a:p>
+            <a:r>
+              <a:t>Matrix Reduction and Its Role</a:t>
+            </a:r>
+          </a:p>
+        </p:txBody>
+      </p:sp>
+      <p:sp>
+        <p:nvSpPr>
+          <p:cNvPr id="3" name="Content Placeholder 2"/>
+          <p:cNvSpPr>
+            <a:spLocks noGrp="1"/>
+          </p:cNvSpPr>
+          <p:nvPr>
+            <p:ph idx="1"/>
+          </p:nvPr>
+        </p:nvSpPr>
+        <p:spPr/>
+        <p:txBody>
+          <a:bodyPr vert="horz" lIns="91440" tIns="45720" rIns="91440" bIns="45720" rtlCol="0" anchor="t">
+            <a:normAutofit/>
+          </a:bodyPr>
+          <a:lstStyle/>
+          <a:p>
+            <a:r>
+              <a:rPr lang="en-US" dirty="0">
+                <a:latin typeface="Calibri"/>
+                <a:ea typeface="Calibri"/>
+                <a:cs typeface="Calibri"/>
+              </a:rPr>
+              <a:t>Matrix</a:t>
+            </a:r>
+            <a:r>
+              <a:rPr lang="en-US" dirty="0"/>
+              <a:t> reduction simplifies boundary matrices, revealing topological features and enabling efficient computation of Betti numbers.</a:t>
+            </a:r>
+            <a:endParaRPr lang="en-US" dirty="0">
+              <a:ea typeface="Calibri"/>
+              <a:cs typeface="Calibri"/>
+            </a:endParaRPr>
+          </a:p>
+          <a:p>
+            <a:r>
+              <a:rPr lang="en-US" dirty="0">
+                <a:ea typeface="Calibri"/>
+                <a:cs typeface="Calibri"/>
+              </a:rPr>
+              <a:t>Homology Groups: Measure topological features using cycle and boundary groups.</a:t>
+            </a:r>
+            <a:endParaRPr lang="en-US" dirty="0"/>
+          </a:p>
+          <a:p>
+            <a:endParaRPr lang="en-US" dirty="0">
+              <a:ea typeface="Calibri"/>
+              <a:cs typeface="Calibri"/>
+            </a:endParaRPr>
+          </a:p>
+        </p:txBody>
+      </p:sp>
+      <p:sp>
+        <p:nvSpPr>
+          <p:cNvPr id="4" name="Slide Number Placeholder 3">
+            <a:extLst>
+              <a:ext uri="{FF2B5EF4-FFF2-40B4-BE49-F238E27FC236}">
+                <a16:creationId xmlns:a16="http://schemas.microsoft.com/office/drawing/2014/main" id="{DB8C57E4-5D4E-1722-A182-9E2C558B1819}"/>
+              </a:ext>
+            </a:extLst>
+          </p:cNvPr>
+          <p:cNvSpPr>
+            <a:spLocks noGrp="1"/>
+          </p:cNvSpPr>
+          <p:nvPr>
+            <p:ph type="sldNum" sz="quarter" idx="12"/>
+          </p:nvPr>
+        </p:nvSpPr>
+        <p:spPr/>
+        <p:txBody>
+          <a:bodyPr/>
+          <a:lstStyle/>
+          <a:p>
+            <a:fld id="{C1FF6DA9-008F-8B48-92A6-B652298478BF}" type="slidenum">
+              <a:rPr lang="en-US" smtClean="0"/>
+              <a:t>4</a:t>
+            </a:fld>
+            <a:endParaRPr lang="en-US"/>
+          </a:p>
+        </p:txBody>
+      </p:sp>
+    </p:spTree>
+  </p:cSld>
+  <p:clrMapOvr>
+    <a:masterClrMapping/>
+  </p:clrMapOvr>
+</p:sld>
+</file>
+
+<file path=ppt/slides/slide5.xml><?xml version="1.0" encoding="utf-8"?>
+<p:sld xmlns:a="http://schemas.openxmlformats.org/drawingml/2006/main" xmlns:r="http://schemas.openxmlformats.org/officeDocument/2006/relationships" xmlns:p="http://schemas.openxmlformats.org/presentationml/2006/main">
+  <p:cSld>
+    <p:spTree>
+      <p:nvGrpSpPr>
+        <p:cNvPr id="1" name=""/>
+        <p:cNvGrpSpPr/>
+        <p:nvPr/>
+      </p:nvGrpSpPr>
+      <p:grpSpPr>
+        <a:xfrm>
+          <a:off x="0" y="0"/>
+          <a:ext cx="0" cy="0"/>
+          <a:chOff x="0" y="0"/>
+          <a:chExt cx="0" cy="0"/>
+        </a:xfrm>
+      </p:grpSpPr>
+      <p:sp>
+        <p:nvSpPr>
+          <p:cNvPr id="2" name="Title 1"/>
+          <p:cNvSpPr>
+            <a:spLocks noGrp="1"/>
+          </p:cNvSpPr>
+          <p:nvPr>
+            <p:ph type="title"/>
+          </p:nvPr>
+        </p:nvSpPr>
+        <p:spPr/>
+        <p:txBody>
+          <a:bodyPr/>
+          <a:lstStyle/>
+          <a:p>
+            <a:r>
+              <a:t>Euler-Poincaré Formula</a:t>
+            </a:r>
+          </a:p>
+        </p:txBody>
+      </p:sp>
+      <p:sp>
+        <p:nvSpPr>
+          <p:cNvPr id="3" name="Content Placeholder 2"/>
+          <p:cNvSpPr>
+            <a:spLocks noGrp="1"/>
+          </p:cNvSpPr>
+          <p:nvPr>
+            <p:ph idx="1"/>
+          </p:nvPr>
+        </p:nvSpPr>
+        <p:spPr/>
+        <p:txBody>
+          <a:bodyPr vert="horz" lIns="91440" tIns="45720" rIns="91440" bIns="45720" rtlCol="0" anchor="t">
+            <a:normAutofit fontScale="92500" lnSpcReduction="10000"/>
+          </a:bodyPr>
+          <a:lstStyle/>
+          <a:p>
+            <a:r>
+              <a:rPr dirty="0"/>
+              <a:t>The Euler characteristic is defined as the alternating sum of Betti numbers</a:t>
+            </a:r>
+            <a:endParaRPr lang="en-US" dirty="0"/>
+          </a:p>
+          <a:p>
+            <a:endParaRPr lang="en-US" dirty="0"/>
+          </a:p>
+          <a:p>
+            <a:endParaRPr lang="en-US" dirty="0"/>
+          </a:p>
+          <a:p>
+            <a:pPr marL="0" indent="0">
+              <a:buNone/>
+            </a:pPr>
+            <a:r>
+              <a:rPr lang="en-US" dirty="0">
+                <a:ea typeface="+mn-lt"/>
+                <a:cs typeface="+mn-lt"/>
+              </a:rPr>
+              <a:t>where np represents the number of p-dimensional simplices in the complex.</a:t>
+            </a:r>
+            <a:endParaRPr lang="en-US" dirty="0">
+              <a:ea typeface="Calibri"/>
+              <a:cs typeface="Calibri"/>
+            </a:endParaRPr>
+          </a:p>
+          <a:p>
+            <a:r>
+              <a:rPr lang="en-US" dirty="0">
+                <a:ea typeface="Calibri"/>
+                <a:cs typeface="Calibri"/>
+              </a:rPr>
+              <a:t>χ: Euler characteristic</a:t>
+            </a:r>
+          </a:p>
+          <a:p>
+            <a:r>
+              <a:rPr lang="en-US" dirty="0">
+                <a:ea typeface="Calibri"/>
+                <a:cs typeface="Calibri"/>
+              </a:rPr>
+              <a:t>β_p: Betti numbers (connected components, loops, voids)</a:t>
+            </a:r>
+            <a:endParaRPr dirty="0"/>
+          </a:p>
+        </p:txBody>
+      </p:sp>
+      <p:pic>
+        <p:nvPicPr>
+          <p:cNvPr id="4" name="Picture 3">
+            <a:extLst>
+              <a:ext uri="{FF2B5EF4-FFF2-40B4-BE49-F238E27FC236}">
+                <a16:creationId xmlns:a16="http://schemas.microsoft.com/office/drawing/2014/main" id="{B4DF43D9-B559-24AF-C073-B2BFC3F303C8}"/>
+              </a:ext>
+            </a:extLst>
+          </p:cNvPr>
+          <p:cNvPicPr>
+            <a:picLocks noChangeAspect="1"/>
+          </p:cNvPicPr>
+          <p:nvPr/>
+        </p:nvPicPr>
+        <p:blipFill>
+          <a:blip r:embed="rId2"/>
+          <a:stretch>
+            <a:fillRect/>
+          </a:stretch>
+        </p:blipFill>
+        <p:spPr>
+          <a:xfrm>
+            <a:off x="1698143" y="2403856"/>
+            <a:ext cx="2320512" cy="1031348"/>
+          </a:xfrm>
+          <a:prstGeom prst="rect">
+            <a:avLst/>
+          </a:prstGeom>
+        </p:spPr>
+      </p:pic>
+      <p:sp>
+        <p:nvSpPr>
+          <p:cNvPr id="5" name="Slide Number Placeholder 4">
+            <a:extLst>
+              <a:ext uri="{FF2B5EF4-FFF2-40B4-BE49-F238E27FC236}">
+                <a16:creationId xmlns:a16="http://schemas.microsoft.com/office/drawing/2014/main" id="{AB329F94-FA03-71AD-B0F3-9357ED005AD5}"/>
+              </a:ext>
+            </a:extLst>
+          </p:cNvPr>
+          <p:cNvSpPr>
+            <a:spLocks noGrp="1"/>
+          </p:cNvSpPr>
+          <p:nvPr>
+            <p:ph type="sldNum" sz="quarter" idx="12"/>
+          </p:nvPr>
+        </p:nvSpPr>
+        <p:spPr/>
+        <p:txBody>
+          <a:bodyPr/>
+          <a:lstStyle/>
+          <a:p>
+            <a:fld id="{C1FF6DA9-008F-8B48-92A6-B652298478BF}" type="slidenum">
+              <a:rPr lang="en-US" smtClean="0"/>
+              <a:t>5</a:t>
+            </a:fld>
+            <a:endParaRPr lang="en-US"/>
+          </a:p>
+        </p:txBody>
+      </p:sp>
+    </p:spTree>
+  </p:cSld>
+  <p:clrMapOvr>
+    <a:masterClrMapping/>
+  </p:clrMapOvr>
+</p:sld>
+</file>
+
+<file path=ppt/slides/slide6.xml><?xml version="1.0" encoding="utf-8"?>
+<p:sld xmlns:a="http://schemas.openxmlformats.org/drawingml/2006/main" xmlns:r="http://schemas.openxmlformats.org/officeDocument/2006/relationships" xmlns:p="http://schemas.openxmlformats.org/presentationml/2006/main">
+  <p:cSld>
+    <p:spTree>
+      <p:nvGrpSpPr>
+        <p:cNvPr id="1" name=""/>
+        <p:cNvGrpSpPr/>
+        <p:nvPr/>
+      </p:nvGrpSpPr>
+      <p:grpSpPr>
+        <a:xfrm>
+          <a:off x="0" y="0"/>
+          <a:ext cx="0" cy="0"/>
+          <a:chOff x="0" y="0"/>
+          <a:chExt cx="0" cy="0"/>
+        </a:xfrm>
+      </p:grpSpPr>
+      <p:sp>
+        <p:nvSpPr>
+          <p:cNvPr id="2" name="Title 1"/>
+          <p:cNvSpPr>
+            <a:spLocks noGrp="1"/>
+          </p:cNvSpPr>
+          <p:nvPr>
+            <p:ph type="title"/>
+          </p:nvPr>
+        </p:nvSpPr>
+        <p:spPr/>
+        <p:txBody>
+          <a:bodyPr/>
+          <a:lstStyle/>
+          <a:p>
+            <a:r>
+              <a:t>Smith Normal Form</a:t>
+            </a:r>
+          </a:p>
+        </p:txBody>
+      </p:sp>
+      <p:sp>
+        <p:nvSpPr>
+          <p:cNvPr id="3" name="Content Placeholder 2"/>
+          <p:cNvSpPr>
+            <a:spLocks noGrp="1"/>
+          </p:cNvSpPr>
+          <p:nvPr>
+            <p:ph idx="1"/>
+          </p:nvPr>
+        </p:nvSpPr>
+        <p:spPr/>
+        <p:txBody>
+          <a:bodyPr vert="horz" lIns="91440" tIns="45720" rIns="91440" bIns="45720" rtlCol="0" anchor="t">
+            <a:normAutofit/>
+          </a:bodyPr>
+          <a:lstStyle/>
+          <a:p>
+            <a:r>
+              <a:rPr dirty="0"/>
+              <a:t>Definition: Diagonalization of boundary matrices.</a:t>
+            </a:r>
+          </a:p>
+          <a:p>
+            <a:r>
+              <a:rPr dirty="0"/>
+              <a:t>Key Insights: Extraction of Betti numbers, simplification of homology computation.</a:t>
+            </a:r>
+            <a:endParaRPr dirty="0">
+              <a:ea typeface="Calibri"/>
+              <a:cs typeface="Calibri"/>
+            </a:endParaRPr>
+          </a:p>
+          <a:p>
+            <a:endParaRPr dirty="0">
+              <a:ea typeface="Calibri"/>
+              <a:cs typeface="Calibri"/>
+            </a:endParaRPr>
+          </a:p>
+        </p:txBody>
+      </p:sp>
+      <p:sp>
+        <p:nvSpPr>
+          <p:cNvPr id="4" name="Slide Number Placeholder 3">
+            <a:extLst>
+              <a:ext uri="{FF2B5EF4-FFF2-40B4-BE49-F238E27FC236}">
+                <a16:creationId xmlns:a16="http://schemas.microsoft.com/office/drawing/2014/main" id="{82EA6F02-751D-CDD7-A024-B7DC55F3BC1B}"/>
+              </a:ext>
+            </a:extLst>
+          </p:cNvPr>
+          <p:cNvSpPr>
+            <a:spLocks noGrp="1"/>
+          </p:cNvSpPr>
+          <p:nvPr>
+            <p:ph type="sldNum" sz="quarter" idx="12"/>
+          </p:nvPr>
+        </p:nvSpPr>
+        <p:spPr/>
+        <p:txBody>
+          <a:bodyPr/>
+          <a:lstStyle/>
+          <a:p>
+            <a:fld id="{C1FF6DA9-008F-8B48-92A6-B652298478BF}" type="slidenum">
+              <a:rPr lang="en-US" smtClean="0"/>
+              <a:t>6</a:t>
+            </a:fld>
+            <a:endParaRPr lang="en-US"/>
+          </a:p>
+        </p:txBody>
+      </p:sp>
+    </p:spTree>
+    <p:extLst>
+      <p:ext uri="{BB962C8B-B14F-4D97-AF65-F5344CB8AC3E}">
+        <p14:creationId xmlns:p14="http://schemas.microsoft.com/office/powerpoint/2010/main" val="3101695250"/>
+      </p:ext>
+    </p:extLst>
+  </p:cSld>
+  <p:clrMapOvr>
+    <a:masterClrMapping/>
+  </p:clrMapOvr>
+</p:sld>
+</file>
+
+<file path=ppt/slides/slide7.xml><?xml version="1.0" encoding="utf-8"?>
+<p:sld xmlns:a="http://schemas.openxmlformats.org/drawingml/2006/main" xmlns:r="http://schemas.openxmlformats.org/officeDocument/2006/relationships" xmlns:p="http://schemas.openxmlformats.org/presentationml/2006/main">
+  <p:cSld>
+    <p:spTree>
+      <p:nvGrpSpPr>
+        <p:cNvPr id="1" name=""/>
+        <p:cNvGrpSpPr/>
+        <p:nvPr/>
+      </p:nvGrpSpPr>
+      <p:grpSpPr>
+        <a:xfrm>
+          <a:off x="0" y="0"/>
+          <a:ext cx="0" cy="0"/>
+          <a:chOff x="0" y="0"/>
+          <a:chExt cx="0" cy="0"/>
+        </a:xfrm>
+      </p:grpSpPr>
+      <p:sp>
+        <p:nvSpPr>
+          <p:cNvPr id="2" name="Title 1"/>
+          <p:cNvSpPr>
+            <a:spLocks noGrp="1"/>
+          </p:cNvSpPr>
+          <p:nvPr>
+            <p:ph type="title"/>
+          </p:nvPr>
+        </p:nvSpPr>
+        <p:spPr/>
+        <p:txBody>
+          <a:bodyPr/>
+          <a:lstStyle/>
+          <a:p>
+            <a:r>
+              <a:t>Reduction Algorithm</a:t>
+            </a:r>
+          </a:p>
+        </p:txBody>
+      </p:sp>
+      <p:sp>
+        <p:nvSpPr>
+          <p:cNvPr id="3" name="Content Placeholder 2"/>
+          <p:cNvSpPr>
+            <a:spLocks noGrp="1"/>
+          </p:cNvSpPr>
+          <p:nvPr>
+            <p:ph idx="1"/>
+          </p:nvPr>
+        </p:nvSpPr>
+        <p:spPr/>
+        <p:txBody>
+          <a:bodyPr/>
+          <a:lstStyle/>
+          <a:p>
+            <a:r>
+              <a:t>Steps of the reduction algorithm:</a:t>
+            </a:r>
+          </a:p>
+          <a:p>
+            <a:r>
+              <a:t>1. Row and column swaps.</a:t>
+            </a:r>
+          </a:p>
+          <a:p>
+            <a:r>
+              <a:t>2. Eliminate non-diagonal entries.</a:t>
+            </a:r>
+          </a:p>
+          <a:p>
+            <a:r>
+              <a:t>3. Recursive simplification.</a:t>
+            </a:r>
+          </a:p>
+        </p:txBody>
+      </p:sp>
+      <p:sp>
+        <p:nvSpPr>
+          <p:cNvPr id="4" name="Slide Number Placeholder 3">
+            <a:extLst>
+              <a:ext uri="{FF2B5EF4-FFF2-40B4-BE49-F238E27FC236}">
+                <a16:creationId xmlns:a16="http://schemas.microsoft.com/office/drawing/2014/main" id="{14AA7525-3B1E-AD63-46DE-DD5C86579239}"/>
+              </a:ext>
+            </a:extLst>
+          </p:cNvPr>
+          <p:cNvSpPr>
+            <a:spLocks noGrp="1"/>
+          </p:cNvSpPr>
+          <p:nvPr>
+            <p:ph type="sldNum" sz="quarter" idx="12"/>
+          </p:nvPr>
+        </p:nvSpPr>
+        <p:spPr/>
+        <p:txBody>
+          <a:bodyPr/>
+          <a:lstStyle/>
+          <a:p>
+            <a:fld id="{C1FF6DA9-008F-8B48-92A6-B652298478BF}" type="slidenum">
+              <a:rPr lang="en-US" smtClean="0"/>
+              <a:t>7</a:t>
+            </a:fld>
+            <a:endParaRPr lang="en-US"/>
+          </a:p>
+        </p:txBody>
+      </p:sp>
+    </p:spTree>
+  </p:cSld>
+  <p:clrMapOvr>
+    <a:masterClrMapping/>
+  </p:clrMapOvr>
+</p:sld>
+</file>
+
+<file path=ppt/slides/slide8.xml><?xml version="1.0" encoding="utf-8"?>
+<p:sld xmlns:a="http://schemas.openxmlformats.org/drawingml/2006/main" xmlns:r="http://schemas.openxmlformats.org/officeDocument/2006/relationships" xmlns:p="http://schemas.openxmlformats.org/presentationml/2006/main">
+  <p:cSld>
+    <p:spTree>
+      <p:nvGrpSpPr>
+        <p:cNvPr id="1" name=""/>
+        <p:cNvGrpSpPr/>
+        <p:nvPr/>
+      </p:nvGrpSpPr>
+      <p:grpSpPr>
+        <a:xfrm>
+          <a:off x="0" y="0"/>
+          <a:ext cx="0" cy="0"/>
+          <a:chOff x="0" y="0"/>
+          <a:chExt cx="0" cy="0"/>
+        </a:xfrm>
+      </p:grpSpPr>
+      <p:sp>
+        <p:nvSpPr>
+          <p:cNvPr id="2" name="Title 1"/>
+          <p:cNvSpPr>
+            <a:spLocks noGrp="1"/>
+          </p:cNvSpPr>
+          <p:nvPr>
+            <p:ph type="title"/>
+          </p:nvPr>
+        </p:nvSpPr>
+        <p:spPr/>
+        <p:txBody>
+          <a:bodyPr/>
+          <a:lstStyle/>
+          <a:p>
+            <a:r>
+              <a:t>Worked Example: Tetrahedron</a:t>
+            </a:r>
+          </a:p>
+        </p:txBody>
+      </p:sp>
+      <p:sp>
+        <p:nvSpPr>
+          <p:cNvPr id="3" name="Content Placeholder 2"/>
+          <p:cNvSpPr>
+            <a:spLocks noGrp="1"/>
+          </p:cNvSpPr>
+          <p:nvPr>
+            <p:ph idx="1"/>
+          </p:nvPr>
+        </p:nvSpPr>
+        <p:spPr/>
+        <p:txBody>
+          <a:bodyPr vert="horz" lIns="91440" tIns="45720" rIns="91440" bIns="45720" rtlCol="0" anchor="t">
+            <a:normAutofit/>
+          </a:bodyPr>
+          <a:lstStyle/>
+          <a:p>
+            <a:r>
+              <a:rPr dirty="0"/>
+              <a:t>For the tetrahedron:</a:t>
+            </a:r>
+          </a:p>
+          <a:p>
+            <a:r>
+              <a:rPr dirty="0"/>
+              <a:t>- β_0 = </a:t>
+            </a:r>
+            <a:r>
+              <a:rPr lang="en-US" dirty="0"/>
+              <a:t>1</a:t>
+            </a:r>
+            <a:r>
+              <a:rPr dirty="0"/>
+              <a:t>: </a:t>
+            </a:r>
+            <a:r>
+              <a:rPr lang="en-US" dirty="0"/>
+              <a:t>One connected</a:t>
+            </a:r>
+            <a:r>
+              <a:rPr dirty="0"/>
+              <a:t> component.</a:t>
+            </a:r>
+            <a:endParaRPr dirty="0">
+              <a:ea typeface="Calibri"/>
+              <a:cs typeface="Calibri"/>
+            </a:endParaRPr>
+          </a:p>
+          <a:p>
+            <a:r>
+              <a:rPr dirty="0"/>
+              <a:t>- β_1 = 0: No independent loops.</a:t>
+            </a:r>
+            <a:endParaRPr dirty="0">
+              <a:ea typeface="Calibri"/>
+              <a:cs typeface="Calibri"/>
+            </a:endParaRPr>
+          </a:p>
+          <a:p>
+            <a:r>
+              <a:rPr dirty="0"/>
+              <a:t>- β_2 = 0: No voids.</a:t>
+            </a:r>
+            <a:endParaRPr dirty="0">
+              <a:ea typeface="Calibri"/>
+              <a:cs typeface="Calibri"/>
+            </a:endParaRPr>
+          </a:p>
+          <a:p>
+            <a:r>
+              <a:rPr dirty="0"/>
+              <a:t>- β_3 = 0: No higher-dimensional voids.</a:t>
+            </a:r>
+            <a:endParaRPr dirty="0">
+              <a:ea typeface="Calibri"/>
+              <a:cs typeface="Calibri"/>
+            </a:endParaRPr>
+          </a:p>
+        </p:txBody>
+      </p:sp>
+      <p:sp>
+        <p:nvSpPr>
+          <p:cNvPr id="4" name="Slide Number Placeholder 3">
+            <a:extLst>
+              <a:ext uri="{FF2B5EF4-FFF2-40B4-BE49-F238E27FC236}">
+                <a16:creationId xmlns:a16="http://schemas.microsoft.com/office/drawing/2014/main" id="{6501F432-7FA0-E48E-57D9-9A07F216AD49}"/>
+              </a:ext>
+            </a:extLst>
+          </p:cNvPr>
+          <p:cNvSpPr>
+            <a:spLocks noGrp="1"/>
+          </p:cNvSpPr>
+          <p:nvPr>
+            <p:ph type="sldNum" sz="quarter" idx="12"/>
+          </p:nvPr>
+        </p:nvSpPr>
+        <p:spPr/>
+        <p:txBody>
+          <a:bodyPr/>
+          <a:lstStyle/>
+          <a:p>
+            <a:fld id="{C1FF6DA9-008F-8B48-92A6-B652298478BF}" type="slidenum">
+              <a:rPr lang="en-US" smtClean="0"/>
+              <a:t>8</a:t>
+            </a:fld>
+            <a:endParaRPr lang="en-US"/>
+          </a:p>
+        </p:txBody>
+      </p:sp>
+    </p:spTree>
+  </p:cSld>
+  <p:clrMapOvr>
+    <a:masterClrMapping/>
+  </p:clrMapOvr>
+</p:sld>
+</file>
+
+<file path=ppt/slides/slide9.xml><?xml version="1.0" encoding="utf-8"?>
 <p:sld xmlns:a="http://schemas.openxmlformats.org/drawingml/2006/main" xmlns:r="http://schemas.openxmlformats.org/officeDocument/2006/relationships" xmlns:p="http://schemas.openxmlformats.org/presentationml/2006/main">
   <p:cSld>
     <p:bg>
@@ -3286,7 +4835,7 @@
           <a:p>
             <a:fld id="{C1FF6DA9-008F-8B48-92A6-B652298478BF}" type="slidenum">
               <a:rPr lang="en-US" smtClean="0"/>
-              <a:t>10</a:t>
+              <a:t>9</a:t>
             </a:fld>
             <a:endParaRPr lang="en-US"/>
           </a:p>
@@ -3298,1607 +4847,6 @@
         <p14:creationId xmlns:p14="http://schemas.microsoft.com/office/powerpoint/2010/main" val="406673409"/>
       </p:ext>
     </p:extLst>
-  </p:cSld>
-  <p:clrMapOvr>
-    <a:masterClrMapping/>
-  </p:clrMapOvr>
-</p:sld>
-</file>
-
-<file path=ppt/slides/slide11.xml><?xml version="1.0" encoding="utf-8"?>
-<p:sld xmlns:a="http://schemas.openxmlformats.org/drawingml/2006/main" xmlns:r="http://schemas.openxmlformats.org/officeDocument/2006/relationships" xmlns:p="http://schemas.openxmlformats.org/presentationml/2006/main">
-  <p:cSld>
-    <p:spTree>
-      <p:nvGrpSpPr>
-        <p:cNvPr id="1" name=""/>
-        <p:cNvGrpSpPr/>
-        <p:nvPr/>
-      </p:nvGrpSpPr>
-      <p:grpSpPr>
-        <a:xfrm>
-          <a:off x="0" y="0"/>
-          <a:ext cx="0" cy="0"/>
-          <a:chOff x="0" y="0"/>
-          <a:chExt cx="0" cy="0"/>
-        </a:xfrm>
-      </p:grpSpPr>
-      <p:sp>
-        <p:nvSpPr>
-          <p:cNvPr id="2" name="Title 1"/>
-          <p:cNvSpPr>
-            <a:spLocks noGrp="1"/>
-          </p:cNvSpPr>
-          <p:nvPr>
-            <p:ph type="title"/>
-          </p:nvPr>
-        </p:nvSpPr>
-        <p:spPr/>
-        <p:txBody>
-          <a:bodyPr/>
-          <a:lstStyle/>
-          <a:p>
-            <a:r>
-              <a:t>Python Implementation</a:t>
-            </a:r>
-          </a:p>
-        </p:txBody>
-      </p:sp>
-      <p:sp>
-        <p:nvSpPr>
-          <p:cNvPr id="3" name="Content Placeholder 2"/>
-          <p:cNvSpPr>
-            <a:spLocks noGrp="1"/>
-          </p:cNvSpPr>
-          <p:nvPr>
-            <p:ph idx="1"/>
-          </p:nvPr>
-        </p:nvSpPr>
-        <p:spPr/>
-        <p:txBody>
-          <a:bodyPr/>
-          <a:lstStyle/>
-          <a:p>
-            <a:r>
-              <a:t>The matrix reduction algorithm is implemented in Python. Boundary matrices are reduced, and Betti numbers are computed. The complete implementation is available on GitHub:</a:t>
-            </a:r>
-          </a:p>
-          <a:p>
-            <a:r>
-              <a:t>https://github.com/sahilkumar15/computational_topology</a:t>
-            </a:r>
-          </a:p>
-        </p:txBody>
-      </p:sp>
-      <p:sp>
-        <p:nvSpPr>
-          <p:cNvPr id="4" name="Slide Number Placeholder 3">
-            <a:extLst>
-              <a:ext uri="{FF2B5EF4-FFF2-40B4-BE49-F238E27FC236}">
-                <a16:creationId xmlns:a16="http://schemas.microsoft.com/office/drawing/2014/main" id="{6436CC1E-494C-6941-DB4E-8EEDEFD3FFC3}"/>
-              </a:ext>
-            </a:extLst>
-          </p:cNvPr>
-          <p:cNvSpPr>
-            <a:spLocks noGrp="1"/>
-          </p:cNvSpPr>
-          <p:nvPr>
-            <p:ph type="sldNum" sz="quarter" idx="12"/>
-          </p:nvPr>
-        </p:nvSpPr>
-        <p:spPr/>
-        <p:txBody>
-          <a:bodyPr/>
-          <a:lstStyle/>
-          <a:p>
-            <a:fld id="{C1FF6DA9-008F-8B48-92A6-B652298478BF}" type="slidenum">
-              <a:rPr lang="en-US" smtClean="0"/>
-              <a:t>11</a:t>
-            </a:fld>
-            <a:endParaRPr lang="en-US"/>
-          </a:p>
-        </p:txBody>
-      </p:sp>
-    </p:spTree>
-  </p:cSld>
-  <p:clrMapOvr>
-    <a:masterClrMapping/>
-  </p:clrMapOvr>
-</p:sld>
-</file>
-
-<file path=ppt/slides/slide12.xml><?xml version="1.0" encoding="utf-8"?>
-<p:sld xmlns:a="http://schemas.openxmlformats.org/drawingml/2006/main" xmlns:r="http://schemas.openxmlformats.org/officeDocument/2006/relationships" xmlns:p="http://schemas.openxmlformats.org/presentationml/2006/main">
-  <p:cSld>
-    <p:spTree>
-      <p:nvGrpSpPr>
-        <p:cNvPr id="1" name=""/>
-        <p:cNvGrpSpPr/>
-        <p:nvPr/>
-      </p:nvGrpSpPr>
-      <p:grpSpPr>
-        <a:xfrm>
-          <a:off x="0" y="0"/>
-          <a:ext cx="0" cy="0"/>
-          <a:chOff x="0" y="0"/>
-          <a:chExt cx="0" cy="0"/>
-        </a:xfrm>
-      </p:grpSpPr>
-      <p:sp>
-        <p:nvSpPr>
-          <p:cNvPr id="2" name="Title 1"/>
-          <p:cNvSpPr>
-            <a:spLocks noGrp="1"/>
-          </p:cNvSpPr>
-          <p:nvPr>
-            <p:ph type="title"/>
-          </p:nvPr>
-        </p:nvSpPr>
-        <p:spPr/>
-        <p:txBody>
-          <a:bodyPr/>
-          <a:lstStyle/>
-          <a:p>
-            <a:r>
-              <a:t>Applications of Matrix Reduction</a:t>
-            </a:r>
-          </a:p>
-        </p:txBody>
-      </p:sp>
-      <p:sp>
-        <p:nvSpPr>
-          <p:cNvPr id="3" name="Content Placeholder 2"/>
-          <p:cNvSpPr>
-            <a:spLocks noGrp="1"/>
-          </p:cNvSpPr>
-          <p:nvPr>
-            <p:ph idx="1"/>
-          </p:nvPr>
-        </p:nvSpPr>
-        <p:spPr/>
-        <p:txBody>
-          <a:bodyPr vert="horz" lIns="91440" tIns="45720" rIns="91440" bIns="45720" rtlCol="0" anchor="t">
-            <a:normAutofit/>
-          </a:bodyPr>
-          <a:lstStyle/>
-          <a:p>
-            <a:r>
-              <a:rPr dirty="0"/>
-              <a:t>Matrix reduction is applied in:</a:t>
-            </a:r>
-          </a:p>
-          <a:p>
-            <a:pPr marL="0" indent="0">
-              <a:buNone/>
-            </a:pPr>
-            <a:r>
-              <a:rPr dirty="0"/>
-              <a:t>- Point cloud analysis for clustering and void </a:t>
-            </a:r>
-            <a:r>
-              <a:rPr lang="en-US" dirty="0"/>
-              <a:t> </a:t>
-            </a:r>
-            <a:r>
-              <a:rPr dirty="0"/>
-              <a:t>detection.</a:t>
-            </a:r>
-            <a:endParaRPr dirty="0">
-              <a:ea typeface="Calibri"/>
-              <a:cs typeface="Calibri"/>
-            </a:endParaRPr>
-          </a:p>
-          <a:p>
-            <a:pPr marL="0" indent="0">
-              <a:buNone/>
-            </a:pPr>
-            <a:r>
-              <a:t>- Time-series analysis for trend identification.</a:t>
-            </a:r>
-            <a:endParaRPr>
-              <a:ea typeface="Calibri"/>
-              <a:cs typeface="Calibri"/>
-            </a:endParaRPr>
-          </a:p>
-          <a:p>
-            <a:pPr marL="0" indent="0">
-              <a:buNone/>
-            </a:pPr>
-            <a:r>
-              <a:t>- Image processing for structural feature extraction.</a:t>
-            </a:r>
-            <a:endParaRPr>
-              <a:ea typeface="Calibri"/>
-              <a:cs typeface="Calibri"/>
-            </a:endParaRPr>
-          </a:p>
-        </p:txBody>
-      </p:sp>
-      <p:sp>
-        <p:nvSpPr>
-          <p:cNvPr id="4" name="Slide Number Placeholder 3">
-            <a:extLst>
-              <a:ext uri="{FF2B5EF4-FFF2-40B4-BE49-F238E27FC236}">
-                <a16:creationId xmlns:a16="http://schemas.microsoft.com/office/drawing/2014/main" id="{09E222D6-C822-D7A3-4997-801B1BF7832B}"/>
-              </a:ext>
-            </a:extLst>
-          </p:cNvPr>
-          <p:cNvSpPr>
-            <a:spLocks noGrp="1"/>
-          </p:cNvSpPr>
-          <p:nvPr>
-            <p:ph type="sldNum" sz="quarter" idx="12"/>
-          </p:nvPr>
-        </p:nvSpPr>
-        <p:spPr/>
-        <p:txBody>
-          <a:bodyPr/>
-          <a:lstStyle/>
-          <a:p>
-            <a:fld id="{C1FF6DA9-008F-8B48-92A6-B652298478BF}" type="slidenum">
-              <a:rPr lang="en-US" smtClean="0"/>
-              <a:t>12</a:t>
-            </a:fld>
-            <a:endParaRPr lang="en-US"/>
-          </a:p>
-        </p:txBody>
-      </p:sp>
-    </p:spTree>
-  </p:cSld>
-  <p:clrMapOvr>
-    <a:masterClrMapping/>
-  </p:clrMapOvr>
-</p:sld>
-</file>
-
-<file path=ppt/slides/slide13.xml><?xml version="1.0" encoding="utf-8"?>
-<p:sld xmlns:a="http://schemas.openxmlformats.org/drawingml/2006/main" xmlns:r="http://schemas.openxmlformats.org/officeDocument/2006/relationships" xmlns:p="http://schemas.openxmlformats.org/presentationml/2006/main">
-  <p:cSld>
-    <p:spTree>
-      <p:nvGrpSpPr>
-        <p:cNvPr id="1" name=""/>
-        <p:cNvGrpSpPr/>
-        <p:nvPr/>
-      </p:nvGrpSpPr>
-      <p:grpSpPr>
-        <a:xfrm>
-          <a:off x="0" y="0"/>
-          <a:ext cx="0" cy="0"/>
-          <a:chOff x="0" y="0"/>
-          <a:chExt cx="0" cy="0"/>
-        </a:xfrm>
-      </p:grpSpPr>
-      <p:sp>
-        <p:nvSpPr>
-          <p:cNvPr id="2" name="Title 1"/>
-          <p:cNvSpPr>
-            <a:spLocks noGrp="1"/>
-          </p:cNvSpPr>
-          <p:nvPr>
-            <p:ph type="title"/>
-          </p:nvPr>
-        </p:nvSpPr>
-        <p:spPr/>
-        <p:txBody>
-          <a:bodyPr/>
-          <a:lstStyle/>
-          <a:p>
-            <a:r>
-              <a:t>Conclusion</a:t>
-            </a:r>
-          </a:p>
-        </p:txBody>
-      </p:sp>
-      <p:sp>
-        <p:nvSpPr>
-          <p:cNvPr id="3" name="Content Placeholder 2"/>
-          <p:cNvSpPr>
-            <a:spLocks noGrp="1"/>
-          </p:cNvSpPr>
-          <p:nvPr>
-            <p:ph idx="1"/>
-          </p:nvPr>
-        </p:nvSpPr>
-        <p:spPr/>
-        <p:txBody>
-          <a:bodyPr vert="horz" lIns="91440" tIns="45720" rIns="91440" bIns="45720" rtlCol="0" anchor="t">
-            <a:normAutofit/>
-          </a:bodyPr>
-          <a:lstStyle/>
-          <a:p>
-            <a:r>
-              <a:rPr dirty="0"/>
-              <a:t>Matrix reduction bridges algebraic theory and practical applications in TDA. </a:t>
-            </a:r>
-            <a:endParaRPr lang="en-US" dirty="0"/>
-          </a:p>
-          <a:p>
-            <a:r>
-              <a:rPr dirty="0"/>
-              <a:t>It enables efficient computation of topological invariants, offering insights across diverse domains.</a:t>
-            </a:r>
-          </a:p>
-        </p:txBody>
-      </p:sp>
-      <p:sp>
-        <p:nvSpPr>
-          <p:cNvPr id="4" name="Slide Number Placeholder 3">
-            <a:extLst>
-              <a:ext uri="{FF2B5EF4-FFF2-40B4-BE49-F238E27FC236}">
-                <a16:creationId xmlns:a16="http://schemas.microsoft.com/office/drawing/2014/main" id="{B7A68E80-0EBF-3F16-EC83-11AD02E72363}"/>
-              </a:ext>
-            </a:extLst>
-          </p:cNvPr>
-          <p:cNvSpPr>
-            <a:spLocks noGrp="1"/>
-          </p:cNvSpPr>
-          <p:nvPr>
-            <p:ph type="sldNum" sz="quarter" idx="12"/>
-          </p:nvPr>
-        </p:nvSpPr>
-        <p:spPr/>
-        <p:txBody>
-          <a:bodyPr/>
-          <a:lstStyle/>
-          <a:p>
-            <a:fld id="{C1FF6DA9-008F-8B48-92A6-B652298478BF}" type="slidenum">
-              <a:rPr lang="en-US" smtClean="0"/>
-              <a:t>13</a:t>
-            </a:fld>
-            <a:endParaRPr lang="en-US"/>
-          </a:p>
-        </p:txBody>
-      </p:sp>
-    </p:spTree>
-  </p:cSld>
-  <p:clrMapOvr>
-    <a:masterClrMapping/>
-  </p:clrMapOvr>
-</p:sld>
-</file>
-
-<file path=ppt/slides/slide14.xml><?xml version="1.0" encoding="utf-8"?>
-<p:sld xmlns:a="http://schemas.openxmlformats.org/drawingml/2006/main" xmlns:r="http://schemas.openxmlformats.org/officeDocument/2006/relationships" xmlns:p="http://schemas.openxmlformats.org/presentationml/2006/main">
-  <p:cSld>
-    <p:spTree>
-      <p:nvGrpSpPr>
-        <p:cNvPr id="1" name=""/>
-        <p:cNvGrpSpPr/>
-        <p:nvPr/>
-      </p:nvGrpSpPr>
-      <p:grpSpPr>
-        <a:xfrm>
-          <a:off x="0" y="0"/>
-          <a:ext cx="0" cy="0"/>
-          <a:chOff x="0" y="0"/>
-          <a:chExt cx="0" cy="0"/>
-        </a:xfrm>
-      </p:grpSpPr>
-      <p:sp>
-        <p:nvSpPr>
-          <p:cNvPr id="2" name="Title 1">
-            <a:extLst>
-              <a:ext uri="{FF2B5EF4-FFF2-40B4-BE49-F238E27FC236}">
-                <a16:creationId xmlns:a16="http://schemas.microsoft.com/office/drawing/2014/main" id="{B011F4C9-A792-2D27-2B21-FF47C7D6BD32}"/>
-              </a:ext>
-            </a:extLst>
-          </p:cNvPr>
-          <p:cNvSpPr>
-            <a:spLocks noGrp="1"/>
-          </p:cNvSpPr>
-          <p:nvPr>
-            <p:ph type="title"/>
-          </p:nvPr>
-        </p:nvSpPr>
-        <p:spPr/>
-        <p:txBody>
-          <a:bodyPr/>
-          <a:lstStyle/>
-          <a:p>
-            <a:r>
-              <a:rPr lang="en-US" dirty="0">
-                <a:ea typeface="Calibri"/>
-                <a:cs typeface="Calibri"/>
-              </a:rPr>
-              <a:t>References</a:t>
-            </a:r>
-            <a:endParaRPr lang="en-US" dirty="0"/>
-          </a:p>
-        </p:txBody>
-      </p:sp>
-      <p:sp>
-        <p:nvSpPr>
-          <p:cNvPr id="3" name="Content Placeholder 2">
-            <a:extLst>
-              <a:ext uri="{FF2B5EF4-FFF2-40B4-BE49-F238E27FC236}">
-                <a16:creationId xmlns:a16="http://schemas.microsoft.com/office/drawing/2014/main" id="{44446835-705D-6706-8EC3-721953A019F3}"/>
-              </a:ext>
-            </a:extLst>
-          </p:cNvPr>
-          <p:cNvSpPr>
-            <a:spLocks noGrp="1"/>
-          </p:cNvSpPr>
-          <p:nvPr>
-            <p:ph idx="1"/>
-          </p:nvPr>
-        </p:nvSpPr>
-        <p:spPr/>
-        <p:txBody>
-          <a:bodyPr vert="horz" lIns="91440" tIns="45720" rIns="91440" bIns="45720" rtlCol="0" anchor="t">
-            <a:normAutofit fontScale="92500" lnSpcReduction="10000"/>
-          </a:bodyPr>
-          <a:lstStyle/>
-          <a:p>
-            <a:r>
-              <a:rPr lang="en-US" dirty="0">
-                <a:ea typeface="+mn-lt"/>
-                <a:cs typeface="+mn-lt"/>
-              </a:rPr>
-              <a:t>Kannan, R. &amp; </a:t>
-            </a:r>
-            <a:r>
-              <a:rPr lang="en-US" dirty="0" err="1">
-                <a:ea typeface="+mn-lt"/>
-                <a:cs typeface="+mn-lt"/>
-              </a:rPr>
-              <a:t>Bachem</a:t>
-            </a:r>
-            <a:r>
-              <a:rPr lang="en-US" dirty="0">
-                <a:ea typeface="+mn-lt"/>
-                <a:cs typeface="+mn-lt"/>
-              </a:rPr>
-              <a:t>, A. (1979). Polynomial algorithms for computing the Smith and Hermite normal forms of an integer matrix. SIAM J. </a:t>
-            </a:r>
-            <a:r>
-              <a:rPr lang="en-US" dirty="0" err="1">
-                <a:ea typeface="+mn-lt"/>
-                <a:cs typeface="+mn-lt"/>
-              </a:rPr>
-              <a:t>Comput</a:t>
-            </a:r>
-            <a:r>
-              <a:rPr lang="en-US" dirty="0">
-                <a:ea typeface="+mn-lt"/>
-                <a:cs typeface="+mn-lt"/>
-              </a:rPr>
-              <a:t>., 8, 499–507.</a:t>
-            </a:r>
-            <a:endParaRPr lang="en-US" dirty="0">
-              <a:ea typeface="Calibri"/>
-              <a:cs typeface="Calibri"/>
-            </a:endParaRPr>
-          </a:p>
-          <a:p>
-            <a:r>
-              <a:rPr lang="en-US" dirty="0">
-                <a:ea typeface="+mn-lt"/>
-                <a:cs typeface="+mn-lt"/>
-              </a:rPr>
-              <a:t>Lakatos, I. (1984). Proofs and Refutations: The Logic of Mathematical Discovery. Cambridge Univ. Press, Cambridge, England.</a:t>
-            </a:r>
-            <a:endParaRPr lang="en-US" dirty="0">
-              <a:ea typeface="Calibri"/>
-              <a:cs typeface="Calibri"/>
-            </a:endParaRPr>
-          </a:p>
-          <a:p>
-            <a:r>
-              <a:rPr lang="en-US" dirty="0">
-                <a:ea typeface="+mn-lt"/>
-                <a:cs typeface="+mn-lt"/>
-              </a:rPr>
-              <a:t>Munkres, J. R. (1984). Elements of Algebraic Topology. Addison-Wesley, Redwood City, California.</a:t>
-            </a:r>
-            <a:endParaRPr lang="en-US" dirty="0">
-              <a:ea typeface="Calibri"/>
-              <a:cs typeface="Calibri"/>
-            </a:endParaRPr>
-          </a:p>
-        </p:txBody>
-      </p:sp>
-      <p:sp>
-        <p:nvSpPr>
-          <p:cNvPr id="4" name="Slide Number Placeholder 3">
-            <a:extLst>
-              <a:ext uri="{FF2B5EF4-FFF2-40B4-BE49-F238E27FC236}">
-                <a16:creationId xmlns:a16="http://schemas.microsoft.com/office/drawing/2014/main" id="{937D3532-0244-D366-B153-9475A38277C1}"/>
-              </a:ext>
-            </a:extLst>
-          </p:cNvPr>
-          <p:cNvSpPr>
-            <a:spLocks noGrp="1"/>
-          </p:cNvSpPr>
-          <p:nvPr>
-            <p:ph type="sldNum" sz="quarter" idx="12"/>
-          </p:nvPr>
-        </p:nvSpPr>
-        <p:spPr/>
-        <p:txBody>
-          <a:bodyPr/>
-          <a:lstStyle/>
-          <a:p>
-            <a:fld id="{C1FF6DA9-008F-8B48-92A6-B652298478BF}" type="slidenum">
-              <a:rPr lang="en-US" smtClean="0"/>
-              <a:t>14</a:t>
-            </a:fld>
-            <a:endParaRPr lang="en-US"/>
-          </a:p>
-        </p:txBody>
-      </p:sp>
-    </p:spTree>
-    <p:extLst>
-      <p:ext uri="{BB962C8B-B14F-4D97-AF65-F5344CB8AC3E}">
-        <p14:creationId xmlns:p14="http://schemas.microsoft.com/office/powerpoint/2010/main" val="2149902748"/>
-      </p:ext>
-    </p:extLst>
-  </p:cSld>
-  <p:clrMapOvr>
-    <a:masterClrMapping/>
-  </p:clrMapOvr>
-</p:sld>
-</file>
-
-<file path=ppt/slides/slide15.xml><?xml version="1.0" encoding="utf-8"?>
-<p:sld xmlns:a="http://schemas.openxmlformats.org/drawingml/2006/main" xmlns:r="http://schemas.openxmlformats.org/officeDocument/2006/relationships" xmlns:p="http://schemas.openxmlformats.org/presentationml/2006/main">
-  <p:cSld>
-    <p:spTree>
-      <p:nvGrpSpPr>
-        <p:cNvPr id="1" name=""/>
-        <p:cNvGrpSpPr/>
-        <p:nvPr/>
-      </p:nvGrpSpPr>
-      <p:grpSpPr>
-        <a:xfrm>
-          <a:off x="0" y="0"/>
-          <a:ext cx="0" cy="0"/>
-          <a:chOff x="0" y="0"/>
-          <a:chExt cx="0" cy="0"/>
-        </a:xfrm>
-      </p:grpSpPr>
-      <p:sp>
-        <p:nvSpPr>
-          <p:cNvPr id="3" name="Content Placeholder 2"/>
-          <p:cNvSpPr>
-            <a:spLocks noGrp="1"/>
-          </p:cNvSpPr>
-          <p:nvPr>
-            <p:ph idx="1"/>
-          </p:nvPr>
-        </p:nvSpPr>
-        <p:spPr>
-          <a:xfrm>
-            <a:off x="3327514" y="2799581"/>
-            <a:ext cx="3063035" cy="968824"/>
-          </a:xfrm>
-        </p:spPr>
-        <p:txBody>
-          <a:bodyPr vert="horz" lIns="91440" tIns="45720" rIns="91440" bIns="45720" rtlCol="0" anchor="t">
-            <a:normAutofit/>
-          </a:bodyPr>
-          <a:lstStyle/>
-          <a:p>
-            <a:pPr marL="0" indent="0">
-              <a:buNone/>
-            </a:pPr>
-            <a:r>
-              <a:rPr dirty="0"/>
-              <a:t>Thank you! </a:t>
-            </a:r>
-            <a:endParaRPr lang="en-US" dirty="0"/>
-          </a:p>
-        </p:txBody>
-      </p:sp>
-      <p:sp>
-        <p:nvSpPr>
-          <p:cNvPr id="2" name="Slide Number Placeholder 1">
-            <a:extLst>
-              <a:ext uri="{FF2B5EF4-FFF2-40B4-BE49-F238E27FC236}">
-                <a16:creationId xmlns:a16="http://schemas.microsoft.com/office/drawing/2014/main" id="{3BE49539-643F-CD81-642E-E394B303C99C}"/>
-              </a:ext>
-            </a:extLst>
-          </p:cNvPr>
-          <p:cNvSpPr>
-            <a:spLocks noGrp="1"/>
-          </p:cNvSpPr>
-          <p:nvPr>
-            <p:ph type="sldNum" sz="quarter" idx="12"/>
-          </p:nvPr>
-        </p:nvSpPr>
-        <p:spPr/>
-        <p:txBody>
-          <a:bodyPr/>
-          <a:lstStyle/>
-          <a:p>
-            <a:fld id="{C1FF6DA9-008F-8B48-92A6-B652298478BF}" type="slidenum">
-              <a:rPr lang="en-US" smtClean="0"/>
-              <a:t>15</a:t>
-            </a:fld>
-            <a:endParaRPr lang="en-US"/>
-          </a:p>
-        </p:txBody>
-      </p:sp>
-    </p:spTree>
-  </p:cSld>
-  <p:clrMapOvr>
-    <a:masterClrMapping/>
-  </p:clrMapOvr>
-</p:sld>
-</file>
-
-<file path=ppt/slides/slide2.xml><?xml version="1.0" encoding="utf-8"?>
-<p:sld xmlns:a="http://schemas.openxmlformats.org/drawingml/2006/main" xmlns:r="http://schemas.openxmlformats.org/officeDocument/2006/relationships" xmlns:p="http://schemas.openxmlformats.org/presentationml/2006/main">
-  <p:cSld>
-    <p:spTree>
-      <p:nvGrpSpPr>
-        <p:cNvPr id="1" name=""/>
-        <p:cNvGrpSpPr/>
-        <p:nvPr/>
-      </p:nvGrpSpPr>
-      <p:grpSpPr>
-        <a:xfrm>
-          <a:off x="0" y="0"/>
-          <a:ext cx="0" cy="0"/>
-          <a:chOff x="0" y="0"/>
-          <a:chExt cx="0" cy="0"/>
-        </a:xfrm>
-      </p:grpSpPr>
-      <p:sp>
-        <p:nvSpPr>
-          <p:cNvPr id="2" name="Title 1"/>
-          <p:cNvSpPr>
-            <a:spLocks noGrp="1"/>
-          </p:cNvSpPr>
-          <p:nvPr>
-            <p:ph type="title"/>
-          </p:nvPr>
-        </p:nvSpPr>
-        <p:spPr/>
-        <p:txBody>
-          <a:bodyPr/>
-          <a:lstStyle/>
-          <a:p>
-            <a:r>
-              <a:t>Abstract</a:t>
-            </a:r>
-          </a:p>
-        </p:txBody>
-      </p:sp>
-      <p:sp>
-        <p:nvSpPr>
-          <p:cNvPr id="3" name="Content Placeholder 2"/>
-          <p:cNvSpPr>
-            <a:spLocks noGrp="1"/>
-          </p:cNvSpPr>
-          <p:nvPr>
-            <p:ph idx="1"/>
-          </p:nvPr>
-        </p:nvSpPr>
-        <p:spPr/>
-        <p:txBody>
-          <a:bodyPr vert="horz" lIns="91440" tIns="45720" rIns="91440" bIns="45720" rtlCol="0" anchor="t">
-            <a:normAutofit lnSpcReduction="10000"/>
-          </a:bodyPr>
-          <a:lstStyle/>
-          <a:p>
-            <a:r>
-              <a:rPr dirty="0"/>
-              <a:t>Matrix reduction is a fundamental computational process in persistent homology, a key method in topological data analysis (TDA) for studying the shape of data. </a:t>
-            </a:r>
-            <a:endParaRPr lang="en-US" dirty="0"/>
-          </a:p>
-          <a:p>
-            <a:r>
-              <a:rPr dirty="0"/>
-              <a:t>It simplifies boundary matrices to reveal topological features such as connected components, loops, and voids. </a:t>
-            </a:r>
-            <a:endParaRPr lang="en-US" dirty="0"/>
-          </a:p>
-          <a:p>
-            <a:r>
-              <a:rPr dirty="0"/>
-              <a:t>Applications span biology, image processing, and network science.</a:t>
-            </a:r>
-            <a:endParaRPr lang="en-US">
-              <a:ea typeface="Calibri"/>
-              <a:cs typeface="Calibri"/>
-            </a:endParaRPr>
-          </a:p>
-        </p:txBody>
-      </p:sp>
-      <p:sp>
-        <p:nvSpPr>
-          <p:cNvPr id="4" name="Slide Number Placeholder 3">
-            <a:extLst>
-              <a:ext uri="{FF2B5EF4-FFF2-40B4-BE49-F238E27FC236}">
-                <a16:creationId xmlns:a16="http://schemas.microsoft.com/office/drawing/2014/main" id="{18B6CFD5-251D-9078-3C83-D25797FCFA28}"/>
-              </a:ext>
-            </a:extLst>
-          </p:cNvPr>
-          <p:cNvSpPr>
-            <a:spLocks noGrp="1"/>
-          </p:cNvSpPr>
-          <p:nvPr>
-            <p:ph type="sldNum" sz="quarter" idx="12"/>
-          </p:nvPr>
-        </p:nvSpPr>
-        <p:spPr/>
-        <p:txBody>
-          <a:bodyPr/>
-          <a:lstStyle/>
-          <a:p>
-            <a:fld id="{C1FF6DA9-008F-8B48-92A6-B652298478BF}" type="slidenum">
-              <a:rPr lang="en-US" smtClean="0"/>
-              <a:t>2</a:t>
-            </a:fld>
-            <a:endParaRPr lang="en-US"/>
-          </a:p>
-        </p:txBody>
-      </p:sp>
-    </p:spTree>
-  </p:cSld>
-  <p:clrMapOvr>
-    <a:masterClrMapping/>
-  </p:clrMapOvr>
-</p:sld>
-</file>
-
-<file path=ppt/slides/slide3.xml><?xml version="1.0" encoding="utf-8"?>
-<p:sld xmlns:a="http://schemas.openxmlformats.org/drawingml/2006/main" xmlns:r="http://schemas.openxmlformats.org/officeDocument/2006/relationships" xmlns:p="http://schemas.openxmlformats.org/presentationml/2006/main">
-  <p:cSld>
-    <p:spTree>
-      <p:nvGrpSpPr>
-        <p:cNvPr id="1" name=""/>
-        <p:cNvGrpSpPr/>
-        <p:nvPr/>
-      </p:nvGrpSpPr>
-      <p:grpSpPr>
-        <a:xfrm>
-          <a:off x="0" y="0"/>
-          <a:ext cx="0" cy="0"/>
-          <a:chOff x="0" y="0"/>
-          <a:chExt cx="0" cy="0"/>
-        </a:xfrm>
-      </p:grpSpPr>
-      <p:sp>
-        <p:nvSpPr>
-          <p:cNvPr id="2" name="Title 1"/>
-          <p:cNvSpPr>
-            <a:spLocks noGrp="1"/>
-          </p:cNvSpPr>
-          <p:nvPr>
-            <p:ph type="title"/>
-          </p:nvPr>
-        </p:nvSpPr>
-        <p:spPr/>
-        <p:txBody>
-          <a:bodyPr/>
-          <a:lstStyle/>
-          <a:p>
-            <a:r>
-              <a:t>Introduction to Persistent Homology</a:t>
-            </a:r>
-          </a:p>
-        </p:txBody>
-      </p:sp>
-      <p:sp>
-        <p:nvSpPr>
-          <p:cNvPr id="3" name="Content Placeholder 2"/>
-          <p:cNvSpPr>
-            <a:spLocks noGrp="1"/>
-          </p:cNvSpPr>
-          <p:nvPr>
-            <p:ph idx="1"/>
-          </p:nvPr>
-        </p:nvSpPr>
-        <p:spPr/>
-        <p:txBody>
-          <a:bodyPr vert="horz" lIns="91440" tIns="45720" rIns="91440" bIns="45720" rtlCol="0" anchor="t">
-            <a:normAutofit/>
-          </a:bodyPr>
-          <a:lstStyle/>
-          <a:p>
-            <a:r>
-              <a:rPr lang="en-US" dirty="0"/>
-              <a:t>Topological Data Analysis (TDA) applies algebraic topology to study data structures.</a:t>
-            </a:r>
-          </a:p>
-          <a:p>
-            <a:r>
-              <a:rPr lang="en-US" dirty="0"/>
-              <a:t> Persistent Homology identifies features like loops and voids across scales, relying on matrix reduction to simplify computations. </a:t>
-            </a:r>
-            <a:endParaRPr lang="en-US"/>
-          </a:p>
-          <a:p>
-            <a:r>
-              <a:rPr lang="en-US" dirty="0"/>
-              <a:t>Goal: Efficient extraction of topological invariants.</a:t>
-            </a:r>
-            <a:endParaRPr lang="en-US" dirty="0">
-              <a:ea typeface="Calibri"/>
-              <a:cs typeface="Calibri"/>
-            </a:endParaRPr>
-          </a:p>
-          <a:p>
-            <a:endParaRPr dirty="0">
-              <a:ea typeface="Calibri"/>
-              <a:cs typeface="Calibri"/>
-            </a:endParaRPr>
-          </a:p>
-        </p:txBody>
-      </p:sp>
-      <p:sp>
-        <p:nvSpPr>
-          <p:cNvPr id="4" name="Slide Number Placeholder 3">
-            <a:extLst>
-              <a:ext uri="{FF2B5EF4-FFF2-40B4-BE49-F238E27FC236}">
-                <a16:creationId xmlns:a16="http://schemas.microsoft.com/office/drawing/2014/main" id="{FD121C78-D6CA-7A0A-B12D-284927174248}"/>
-              </a:ext>
-            </a:extLst>
-          </p:cNvPr>
-          <p:cNvSpPr>
-            <a:spLocks noGrp="1"/>
-          </p:cNvSpPr>
-          <p:nvPr>
-            <p:ph type="sldNum" sz="quarter" idx="12"/>
-          </p:nvPr>
-        </p:nvSpPr>
-        <p:spPr/>
-        <p:txBody>
-          <a:bodyPr/>
-          <a:lstStyle/>
-          <a:p>
-            <a:fld id="{C1FF6DA9-008F-8B48-92A6-B652298478BF}" type="slidenum">
-              <a:rPr lang="en-US" smtClean="0"/>
-              <a:t>3</a:t>
-            </a:fld>
-            <a:endParaRPr lang="en-US"/>
-          </a:p>
-        </p:txBody>
-      </p:sp>
-    </p:spTree>
-  </p:cSld>
-  <p:clrMapOvr>
-    <a:masterClrMapping/>
-  </p:clrMapOvr>
-</p:sld>
-</file>
-
-<file path=ppt/slides/slide4.xml><?xml version="1.0" encoding="utf-8"?>
-<p:sld xmlns:a="http://schemas.openxmlformats.org/drawingml/2006/main" xmlns:r="http://schemas.openxmlformats.org/officeDocument/2006/relationships" xmlns:p="http://schemas.openxmlformats.org/presentationml/2006/main">
-  <p:cSld>
-    <p:spTree>
-      <p:nvGrpSpPr>
-        <p:cNvPr id="1" name=""/>
-        <p:cNvGrpSpPr/>
-        <p:nvPr/>
-      </p:nvGrpSpPr>
-      <p:grpSpPr>
-        <a:xfrm>
-          <a:off x="0" y="0"/>
-          <a:ext cx="0" cy="0"/>
-          <a:chOff x="0" y="0"/>
-          <a:chExt cx="0" cy="0"/>
-        </a:xfrm>
-      </p:grpSpPr>
-      <p:sp>
-        <p:nvSpPr>
-          <p:cNvPr id="2" name="Title 1"/>
-          <p:cNvSpPr>
-            <a:spLocks noGrp="1"/>
-          </p:cNvSpPr>
-          <p:nvPr>
-            <p:ph type="title"/>
-          </p:nvPr>
-        </p:nvSpPr>
-        <p:spPr/>
-        <p:txBody>
-          <a:bodyPr/>
-          <a:lstStyle/>
-          <a:p>
-            <a:r>
-              <a:t>Matrix Reduction and Its Role</a:t>
-            </a:r>
-          </a:p>
-        </p:txBody>
-      </p:sp>
-      <p:sp>
-        <p:nvSpPr>
-          <p:cNvPr id="3" name="Content Placeholder 2"/>
-          <p:cNvSpPr>
-            <a:spLocks noGrp="1"/>
-          </p:cNvSpPr>
-          <p:nvPr>
-            <p:ph idx="1"/>
-          </p:nvPr>
-        </p:nvSpPr>
-        <p:spPr/>
-        <p:txBody>
-          <a:bodyPr vert="horz" lIns="91440" tIns="45720" rIns="91440" bIns="45720" rtlCol="0" anchor="t">
-            <a:normAutofit/>
-          </a:bodyPr>
-          <a:lstStyle/>
-          <a:p>
-            <a:r>
-              <a:rPr lang="en-US" dirty="0">
-                <a:latin typeface="Calibri"/>
-                <a:ea typeface="Calibri"/>
-                <a:cs typeface="Calibri"/>
-              </a:rPr>
-              <a:t>Matrix</a:t>
-            </a:r>
-            <a:r>
-              <a:rPr lang="en-US" dirty="0"/>
-              <a:t> reduction simplifies boundary matrices, revealing topological features and enabling efficient computation of Betti numbers.</a:t>
-            </a:r>
-            <a:endParaRPr lang="en-US" dirty="0">
-              <a:ea typeface="Calibri"/>
-              <a:cs typeface="Calibri"/>
-            </a:endParaRPr>
-          </a:p>
-          <a:p>
-            <a:r>
-              <a:rPr lang="en-US" dirty="0">
-                <a:ea typeface="Calibri"/>
-                <a:cs typeface="Calibri"/>
-              </a:rPr>
-              <a:t>Homology Groups: Measure topological features using cycle and boundary groups.</a:t>
-            </a:r>
-            <a:endParaRPr lang="en-US" dirty="0"/>
-          </a:p>
-          <a:p>
-            <a:endParaRPr lang="en-US" dirty="0">
-              <a:ea typeface="Calibri"/>
-              <a:cs typeface="Calibri"/>
-            </a:endParaRPr>
-          </a:p>
-        </p:txBody>
-      </p:sp>
-      <p:sp>
-        <p:nvSpPr>
-          <p:cNvPr id="4" name="Slide Number Placeholder 3">
-            <a:extLst>
-              <a:ext uri="{FF2B5EF4-FFF2-40B4-BE49-F238E27FC236}">
-                <a16:creationId xmlns:a16="http://schemas.microsoft.com/office/drawing/2014/main" id="{DB8C57E4-5D4E-1722-A182-9E2C558B1819}"/>
-              </a:ext>
-            </a:extLst>
-          </p:cNvPr>
-          <p:cNvSpPr>
-            <a:spLocks noGrp="1"/>
-          </p:cNvSpPr>
-          <p:nvPr>
-            <p:ph type="sldNum" sz="quarter" idx="12"/>
-          </p:nvPr>
-        </p:nvSpPr>
-        <p:spPr/>
-        <p:txBody>
-          <a:bodyPr/>
-          <a:lstStyle/>
-          <a:p>
-            <a:fld id="{C1FF6DA9-008F-8B48-92A6-B652298478BF}" type="slidenum">
-              <a:rPr lang="en-US" smtClean="0"/>
-              <a:t>4</a:t>
-            </a:fld>
-            <a:endParaRPr lang="en-US"/>
-          </a:p>
-        </p:txBody>
-      </p:sp>
-    </p:spTree>
-  </p:cSld>
-  <p:clrMapOvr>
-    <a:masterClrMapping/>
-  </p:clrMapOvr>
-</p:sld>
-</file>
-
-<file path=ppt/slides/slide5.xml><?xml version="1.0" encoding="utf-8"?>
-<p:sld xmlns:a="http://schemas.openxmlformats.org/drawingml/2006/main" xmlns:r="http://schemas.openxmlformats.org/officeDocument/2006/relationships" xmlns:p="http://schemas.openxmlformats.org/presentationml/2006/main">
-  <p:cSld>
-    <p:spTree>
-      <p:nvGrpSpPr>
-        <p:cNvPr id="1" name=""/>
-        <p:cNvGrpSpPr/>
-        <p:nvPr/>
-      </p:nvGrpSpPr>
-      <p:grpSpPr>
-        <a:xfrm>
-          <a:off x="0" y="0"/>
-          <a:ext cx="0" cy="0"/>
-          <a:chOff x="0" y="0"/>
-          <a:chExt cx="0" cy="0"/>
-        </a:xfrm>
-      </p:grpSpPr>
-      <p:sp>
-        <p:nvSpPr>
-          <p:cNvPr id="2" name="Title 1"/>
-          <p:cNvSpPr>
-            <a:spLocks noGrp="1"/>
-          </p:cNvSpPr>
-          <p:nvPr>
-            <p:ph type="title"/>
-          </p:nvPr>
-        </p:nvSpPr>
-        <p:spPr/>
-        <p:txBody>
-          <a:bodyPr/>
-          <a:lstStyle/>
-          <a:p>
-            <a:r>
-              <a:t>Euler-Poincaré Formula</a:t>
-            </a:r>
-          </a:p>
-        </p:txBody>
-      </p:sp>
-      <p:sp>
-        <p:nvSpPr>
-          <p:cNvPr id="3" name="Content Placeholder 2"/>
-          <p:cNvSpPr>
-            <a:spLocks noGrp="1"/>
-          </p:cNvSpPr>
-          <p:nvPr>
-            <p:ph idx="1"/>
-          </p:nvPr>
-        </p:nvSpPr>
-        <p:spPr/>
-        <p:txBody>
-          <a:bodyPr vert="horz" lIns="91440" tIns="45720" rIns="91440" bIns="45720" rtlCol="0" anchor="t">
-            <a:normAutofit fontScale="92500" lnSpcReduction="10000"/>
-          </a:bodyPr>
-          <a:lstStyle/>
-          <a:p>
-            <a:r>
-              <a:rPr dirty="0"/>
-              <a:t>The Euler characteristic is defined as the alternating sum of Betti numbers</a:t>
-            </a:r>
-            <a:endParaRPr lang="en-US" dirty="0"/>
-          </a:p>
-          <a:p>
-            <a:endParaRPr lang="en-US" dirty="0"/>
-          </a:p>
-          <a:p>
-            <a:endParaRPr lang="en-US" dirty="0"/>
-          </a:p>
-          <a:p>
-            <a:pPr marL="0" indent="0">
-              <a:buNone/>
-            </a:pPr>
-            <a:r>
-              <a:rPr lang="en-US" dirty="0">
-                <a:ea typeface="+mn-lt"/>
-                <a:cs typeface="+mn-lt"/>
-              </a:rPr>
-              <a:t>where np represents the number of p-dimensional simplices in the complex.</a:t>
-            </a:r>
-            <a:endParaRPr lang="en-US" dirty="0">
-              <a:ea typeface="Calibri"/>
-              <a:cs typeface="Calibri"/>
-            </a:endParaRPr>
-          </a:p>
-          <a:p>
-            <a:r>
-              <a:rPr lang="en-US" dirty="0">
-                <a:ea typeface="Calibri"/>
-                <a:cs typeface="Calibri"/>
-              </a:rPr>
-              <a:t>χ: Euler characteristic</a:t>
-            </a:r>
-          </a:p>
-          <a:p>
-            <a:r>
-              <a:rPr lang="en-US" dirty="0">
-                <a:ea typeface="Calibri"/>
-                <a:cs typeface="Calibri"/>
-              </a:rPr>
-              <a:t>β_p: Betti numbers (connected components, loops, voids)</a:t>
-            </a:r>
-            <a:endParaRPr dirty="0"/>
-          </a:p>
-        </p:txBody>
-      </p:sp>
-      <p:pic>
-        <p:nvPicPr>
-          <p:cNvPr id="4" name="Picture 3">
-            <a:extLst>
-              <a:ext uri="{FF2B5EF4-FFF2-40B4-BE49-F238E27FC236}">
-                <a16:creationId xmlns:a16="http://schemas.microsoft.com/office/drawing/2014/main" id="{B4DF43D9-B559-24AF-C073-B2BFC3F303C8}"/>
-              </a:ext>
-            </a:extLst>
-          </p:cNvPr>
-          <p:cNvPicPr>
-            <a:picLocks noChangeAspect="1"/>
-          </p:cNvPicPr>
-          <p:nvPr/>
-        </p:nvPicPr>
-        <p:blipFill>
-          <a:blip r:embed="rId2"/>
-          <a:stretch>
-            <a:fillRect/>
-          </a:stretch>
-        </p:blipFill>
-        <p:spPr>
-          <a:xfrm>
-            <a:off x="1698143" y="2403856"/>
-            <a:ext cx="2320512" cy="1031348"/>
-          </a:xfrm>
-          <a:prstGeom prst="rect">
-            <a:avLst/>
-          </a:prstGeom>
-        </p:spPr>
-      </p:pic>
-      <p:sp>
-        <p:nvSpPr>
-          <p:cNvPr id="5" name="Slide Number Placeholder 4">
-            <a:extLst>
-              <a:ext uri="{FF2B5EF4-FFF2-40B4-BE49-F238E27FC236}">
-                <a16:creationId xmlns:a16="http://schemas.microsoft.com/office/drawing/2014/main" id="{AB329F94-FA03-71AD-B0F3-9357ED005AD5}"/>
-              </a:ext>
-            </a:extLst>
-          </p:cNvPr>
-          <p:cNvSpPr>
-            <a:spLocks noGrp="1"/>
-          </p:cNvSpPr>
-          <p:nvPr>
-            <p:ph type="sldNum" sz="quarter" idx="12"/>
-          </p:nvPr>
-        </p:nvSpPr>
-        <p:spPr/>
-        <p:txBody>
-          <a:bodyPr/>
-          <a:lstStyle/>
-          <a:p>
-            <a:fld id="{C1FF6DA9-008F-8B48-92A6-B652298478BF}" type="slidenum">
-              <a:rPr lang="en-US" smtClean="0"/>
-              <a:t>5</a:t>
-            </a:fld>
-            <a:endParaRPr lang="en-US"/>
-          </a:p>
-        </p:txBody>
-      </p:sp>
-    </p:spTree>
-  </p:cSld>
-  <p:clrMapOvr>
-    <a:masterClrMapping/>
-  </p:clrMapOvr>
-</p:sld>
-</file>
-
-<file path=ppt/slides/slide6.xml><?xml version="1.0" encoding="utf-8"?>
-<p:sld xmlns:a="http://schemas.openxmlformats.org/drawingml/2006/main" xmlns:r="http://schemas.openxmlformats.org/officeDocument/2006/relationships" xmlns:p="http://schemas.openxmlformats.org/presentationml/2006/main">
-  <p:cSld>
-    <p:spTree>
-      <p:nvGrpSpPr>
-        <p:cNvPr id="1" name=""/>
-        <p:cNvGrpSpPr/>
-        <p:nvPr/>
-      </p:nvGrpSpPr>
-      <p:grpSpPr>
-        <a:xfrm>
-          <a:off x="0" y="0"/>
-          <a:ext cx="0" cy="0"/>
-          <a:chOff x="0" y="0"/>
-          <a:chExt cx="0" cy="0"/>
-        </a:xfrm>
-      </p:grpSpPr>
-      <p:sp>
-        <p:nvSpPr>
-          <p:cNvPr id="2" name="Title 1"/>
-          <p:cNvSpPr>
-            <a:spLocks noGrp="1"/>
-          </p:cNvSpPr>
-          <p:nvPr>
-            <p:ph type="title"/>
-          </p:nvPr>
-        </p:nvSpPr>
-        <p:spPr/>
-        <p:txBody>
-          <a:bodyPr/>
-          <a:lstStyle/>
-          <a:p>
-            <a:r>
-              <a:t>Boundary Matrices</a:t>
-            </a:r>
-          </a:p>
-        </p:txBody>
-      </p:sp>
-      <p:sp>
-        <p:nvSpPr>
-          <p:cNvPr id="3" name="Content Placeholder 2"/>
-          <p:cNvSpPr>
-            <a:spLocks noGrp="1"/>
-          </p:cNvSpPr>
-          <p:nvPr>
-            <p:ph idx="1"/>
-          </p:nvPr>
-        </p:nvSpPr>
-        <p:spPr/>
-        <p:txBody>
-          <a:bodyPr vert="horz" lIns="91440" tIns="45720" rIns="91440" bIns="45720" rtlCol="0" anchor="t">
-            <a:normAutofit/>
-          </a:bodyPr>
-          <a:lstStyle/>
-          <a:p>
-            <a:r>
-              <a:rPr dirty="0"/>
-              <a:t>Boundary matrices encode relationships between simplices. </a:t>
-            </a:r>
-            <a:endParaRPr lang="en-US" dirty="0"/>
-          </a:p>
-          <a:p>
-            <a:r>
-              <a:rPr dirty="0"/>
-              <a:t>Rows represent (p-1)-simplices, and columns represent p-simplices.</a:t>
-            </a:r>
-          </a:p>
-        </p:txBody>
-      </p:sp>
-      <p:sp>
-        <p:nvSpPr>
-          <p:cNvPr id="4" name="Slide Number Placeholder 3">
-            <a:extLst>
-              <a:ext uri="{FF2B5EF4-FFF2-40B4-BE49-F238E27FC236}">
-                <a16:creationId xmlns:a16="http://schemas.microsoft.com/office/drawing/2014/main" id="{1B7F8E2F-5726-ADB7-6D14-AA6A1412BCA2}"/>
-              </a:ext>
-            </a:extLst>
-          </p:cNvPr>
-          <p:cNvSpPr>
-            <a:spLocks noGrp="1"/>
-          </p:cNvSpPr>
-          <p:nvPr>
-            <p:ph type="sldNum" sz="quarter" idx="12"/>
-          </p:nvPr>
-        </p:nvSpPr>
-        <p:spPr/>
-        <p:txBody>
-          <a:bodyPr/>
-          <a:lstStyle/>
-          <a:p>
-            <a:fld id="{C1FF6DA9-008F-8B48-92A6-B652298478BF}" type="slidenum">
-              <a:rPr lang="en-US" smtClean="0"/>
-              <a:t>6</a:t>
-            </a:fld>
-            <a:endParaRPr lang="en-US"/>
-          </a:p>
-        </p:txBody>
-      </p:sp>
-    </p:spTree>
-  </p:cSld>
-  <p:clrMapOvr>
-    <a:masterClrMapping/>
-  </p:clrMapOvr>
-</p:sld>
-</file>
-
-<file path=ppt/slides/slide7.xml><?xml version="1.0" encoding="utf-8"?>
-<p:sld xmlns:a="http://schemas.openxmlformats.org/drawingml/2006/main" xmlns:r="http://schemas.openxmlformats.org/officeDocument/2006/relationships" xmlns:p="http://schemas.openxmlformats.org/presentationml/2006/main">
-  <p:cSld>
-    <p:spTree>
-      <p:nvGrpSpPr>
-        <p:cNvPr id="1" name=""/>
-        <p:cNvGrpSpPr/>
-        <p:nvPr/>
-      </p:nvGrpSpPr>
-      <p:grpSpPr>
-        <a:xfrm>
-          <a:off x="0" y="0"/>
-          <a:ext cx="0" cy="0"/>
-          <a:chOff x="0" y="0"/>
-          <a:chExt cx="0" cy="0"/>
-        </a:xfrm>
-      </p:grpSpPr>
-      <p:sp>
-        <p:nvSpPr>
-          <p:cNvPr id="2" name="Title 1"/>
-          <p:cNvSpPr>
-            <a:spLocks noGrp="1"/>
-          </p:cNvSpPr>
-          <p:nvPr>
-            <p:ph type="title"/>
-          </p:nvPr>
-        </p:nvSpPr>
-        <p:spPr/>
-        <p:txBody>
-          <a:bodyPr/>
-          <a:lstStyle/>
-          <a:p>
-            <a:r>
-              <a:t>Smith Normal Form</a:t>
-            </a:r>
-          </a:p>
-        </p:txBody>
-      </p:sp>
-      <p:sp>
-        <p:nvSpPr>
-          <p:cNvPr id="3" name="Content Placeholder 2"/>
-          <p:cNvSpPr>
-            <a:spLocks noGrp="1"/>
-          </p:cNvSpPr>
-          <p:nvPr>
-            <p:ph idx="1"/>
-          </p:nvPr>
-        </p:nvSpPr>
-        <p:spPr/>
-        <p:txBody>
-          <a:bodyPr/>
-          <a:lstStyle/>
-          <a:p>
-            <a:r>
-              <a:t>Definition: Diagonalization of boundary matrices.</a:t>
-            </a:r>
-          </a:p>
-          <a:p>
-            <a:r>
-              <a:t>Key Insights: Extraction of Betti numbers, simplification of homology computation.</a:t>
-            </a:r>
-          </a:p>
-          <a:p>
-            <a:r>
-              <a:t>Example: Matrix before and after transformation.</a:t>
-            </a:r>
-          </a:p>
-        </p:txBody>
-      </p:sp>
-      <p:sp>
-        <p:nvSpPr>
-          <p:cNvPr id="4" name="Slide Number Placeholder 3">
-            <a:extLst>
-              <a:ext uri="{FF2B5EF4-FFF2-40B4-BE49-F238E27FC236}">
-                <a16:creationId xmlns:a16="http://schemas.microsoft.com/office/drawing/2014/main" id="{82EA6F02-751D-CDD7-A024-B7DC55F3BC1B}"/>
-              </a:ext>
-            </a:extLst>
-          </p:cNvPr>
-          <p:cNvSpPr>
-            <a:spLocks noGrp="1"/>
-          </p:cNvSpPr>
-          <p:nvPr>
-            <p:ph type="sldNum" sz="quarter" idx="12"/>
-          </p:nvPr>
-        </p:nvSpPr>
-        <p:spPr/>
-        <p:txBody>
-          <a:bodyPr/>
-          <a:lstStyle/>
-          <a:p>
-            <a:fld id="{C1FF6DA9-008F-8B48-92A6-B652298478BF}" type="slidenum">
-              <a:rPr lang="en-US" smtClean="0"/>
-              <a:t>7</a:t>
-            </a:fld>
-            <a:endParaRPr lang="en-US"/>
-          </a:p>
-        </p:txBody>
-      </p:sp>
-    </p:spTree>
-    <p:extLst>
-      <p:ext uri="{BB962C8B-B14F-4D97-AF65-F5344CB8AC3E}">
-        <p14:creationId xmlns:p14="http://schemas.microsoft.com/office/powerpoint/2010/main" val="3101695250"/>
-      </p:ext>
-    </p:extLst>
-  </p:cSld>
-  <p:clrMapOvr>
-    <a:masterClrMapping/>
-  </p:clrMapOvr>
-</p:sld>
-</file>
-
-<file path=ppt/slides/slide8.xml><?xml version="1.0" encoding="utf-8"?>
-<p:sld xmlns:a="http://schemas.openxmlformats.org/drawingml/2006/main" xmlns:r="http://schemas.openxmlformats.org/officeDocument/2006/relationships" xmlns:p="http://schemas.openxmlformats.org/presentationml/2006/main">
-  <p:cSld>
-    <p:spTree>
-      <p:nvGrpSpPr>
-        <p:cNvPr id="1" name=""/>
-        <p:cNvGrpSpPr/>
-        <p:nvPr/>
-      </p:nvGrpSpPr>
-      <p:grpSpPr>
-        <a:xfrm>
-          <a:off x="0" y="0"/>
-          <a:ext cx="0" cy="0"/>
-          <a:chOff x="0" y="0"/>
-          <a:chExt cx="0" cy="0"/>
-        </a:xfrm>
-      </p:grpSpPr>
-      <p:sp>
-        <p:nvSpPr>
-          <p:cNvPr id="2" name="Title 1"/>
-          <p:cNvSpPr>
-            <a:spLocks noGrp="1"/>
-          </p:cNvSpPr>
-          <p:nvPr>
-            <p:ph type="title"/>
-          </p:nvPr>
-        </p:nvSpPr>
-        <p:spPr/>
-        <p:txBody>
-          <a:bodyPr/>
-          <a:lstStyle/>
-          <a:p>
-            <a:r>
-              <a:t>Reduction Algorithm</a:t>
-            </a:r>
-          </a:p>
-        </p:txBody>
-      </p:sp>
-      <p:sp>
-        <p:nvSpPr>
-          <p:cNvPr id="3" name="Content Placeholder 2"/>
-          <p:cNvSpPr>
-            <a:spLocks noGrp="1"/>
-          </p:cNvSpPr>
-          <p:nvPr>
-            <p:ph idx="1"/>
-          </p:nvPr>
-        </p:nvSpPr>
-        <p:spPr/>
-        <p:txBody>
-          <a:bodyPr/>
-          <a:lstStyle/>
-          <a:p>
-            <a:r>
-              <a:t>Steps of the reduction algorithm:</a:t>
-            </a:r>
-          </a:p>
-          <a:p>
-            <a:r>
-              <a:t>1. Row and column swaps.</a:t>
-            </a:r>
-          </a:p>
-          <a:p>
-            <a:r>
-              <a:t>2. Eliminate non-diagonal entries.</a:t>
-            </a:r>
-          </a:p>
-          <a:p>
-            <a:r>
-              <a:t>3. Recursive simplification.</a:t>
-            </a:r>
-          </a:p>
-        </p:txBody>
-      </p:sp>
-      <p:sp>
-        <p:nvSpPr>
-          <p:cNvPr id="4" name="Slide Number Placeholder 3">
-            <a:extLst>
-              <a:ext uri="{FF2B5EF4-FFF2-40B4-BE49-F238E27FC236}">
-                <a16:creationId xmlns:a16="http://schemas.microsoft.com/office/drawing/2014/main" id="{14AA7525-3B1E-AD63-46DE-DD5C86579239}"/>
-              </a:ext>
-            </a:extLst>
-          </p:cNvPr>
-          <p:cNvSpPr>
-            <a:spLocks noGrp="1"/>
-          </p:cNvSpPr>
-          <p:nvPr>
-            <p:ph type="sldNum" sz="quarter" idx="12"/>
-          </p:nvPr>
-        </p:nvSpPr>
-        <p:spPr/>
-        <p:txBody>
-          <a:bodyPr/>
-          <a:lstStyle/>
-          <a:p>
-            <a:fld id="{C1FF6DA9-008F-8B48-92A6-B652298478BF}" type="slidenum">
-              <a:rPr lang="en-US" smtClean="0"/>
-              <a:t>8</a:t>
-            </a:fld>
-            <a:endParaRPr lang="en-US"/>
-          </a:p>
-        </p:txBody>
-      </p:sp>
-    </p:spTree>
-  </p:cSld>
-  <p:clrMapOvr>
-    <a:masterClrMapping/>
-  </p:clrMapOvr>
-</p:sld>
-</file>
-
-<file path=ppt/slides/slide9.xml><?xml version="1.0" encoding="utf-8"?>
-<p:sld xmlns:a="http://schemas.openxmlformats.org/drawingml/2006/main" xmlns:r="http://schemas.openxmlformats.org/officeDocument/2006/relationships" xmlns:p="http://schemas.openxmlformats.org/presentationml/2006/main">
-  <p:cSld>
-    <p:spTree>
-      <p:nvGrpSpPr>
-        <p:cNvPr id="1" name=""/>
-        <p:cNvGrpSpPr/>
-        <p:nvPr/>
-      </p:nvGrpSpPr>
-      <p:grpSpPr>
-        <a:xfrm>
-          <a:off x="0" y="0"/>
-          <a:ext cx="0" cy="0"/>
-          <a:chOff x="0" y="0"/>
-          <a:chExt cx="0" cy="0"/>
-        </a:xfrm>
-      </p:grpSpPr>
-      <p:sp>
-        <p:nvSpPr>
-          <p:cNvPr id="2" name="Title 1"/>
-          <p:cNvSpPr>
-            <a:spLocks noGrp="1"/>
-          </p:cNvSpPr>
-          <p:nvPr>
-            <p:ph type="title"/>
-          </p:nvPr>
-        </p:nvSpPr>
-        <p:spPr/>
-        <p:txBody>
-          <a:bodyPr/>
-          <a:lstStyle/>
-          <a:p>
-            <a:r>
-              <a:t>Worked Example: Tetrahedron</a:t>
-            </a:r>
-          </a:p>
-        </p:txBody>
-      </p:sp>
-      <p:sp>
-        <p:nvSpPr>
-          <p:cNvPr id="3" name="Content Placeholder 2"/>
-          <p:cNvSpPr>
-            <a:spLocks noGrp="1"/>
-          </p:cNvSpPr>
-          <p:nvPr>
-            <p:ph idx="1"/>
-          </p:nvPr>
-        </p:nvSpPr>
-        <p:spPr/>
-        <p:txBody>
-          <a:bodyPr/>
-          <a:lstStyle/>
-          <a:p>
-            <a:r>
-              <a:t>For the tetrahedron:</a:t>
-            </a:r>
-          </a:p>
-          <a:p>
-            <a:r>
-              <a:t>- β_0 = 1: One connected component.</a:t>
-            </a:r>
-          </a:p>
-          <a:p>
-            <a:r>
-              <a:t>- β_1 = 0: No independent loops.</a:t>
-            </a:r>
-          </a:p>
-          <a:p>
-            <a:r>
-              <a:t>- β_2 = 0: No voids.</a:t>
-            </a:r>
-          </a:p>
-          <a:p>
-            <a:r>
-              <a:t>- β_3 = 0: No higher-dimensional voids.</a:t>
-            </a:r>
-          </a:p>
-        </p:txBody>
-      </p:sp>
-      <p:sp>
-        <p:nvSpPr>
-          <p:cNvPr id="4" name="Slide Number Placeholder 3">
-            <a:extLst>
-              <a:ext uri="{FF2B5EF4-FFF2-40B4-BE49-F238E27FC236}">
-                <a16:creationId xmlns:a16="http://schemas.microsoft.com/office/drawing/2014/main" id="{6501F432-7FA0-E48E-57D9-9A07F216AD49}"/>
-              </a:ext>
-            </a:extLst>
-          </p:cNvPr>
-          <p:cNvSpPr>
-            <a:spLocks noGrp="1"/>
-          </p:cNvSpPr>
-          <p:nvPr>
-            <p:ph type="sldNum" sz="quarter" idx="12"/>
-          </p:nvPr>
-        </p:nvSpPr>
-        <p:spPr/>
-        <p:txBody>
-          <a:bodyPr/>
-          <a:lstStyle/>
-          <a:p>
-            <a:fld id="{C1FF6DA9-008F-8B48-92A6-B652298478BF}" type="slidenum">
-              <a:rPr lang="en-US" smtClean="0"/>
-              <a:t>9</a:t>
-            </a:fld>
-            <a:endParaRPr lang="en-US"/>
-          </a:p>
-        </p:txBody>
-      </p:sp>
-    </p:spTree>
   </p:cSld>
   <p:clrMapOvr>
     <a:masterClrMapping/>
